--- a/Lessions/Bai-06-Sound-Speaker/Bai-06-Sound-Speaker.pptx
+++ b/Lessions/Bai-06-Sound-Speaker/Bai-06-Sound-Speaker.pptx
@@ -5,7 +5,7 @@
     <p:sldMasterId id="2147483660" r:id="rId1"/>
   </p:sldMasterIdLst>
   <p:notesMasterIdLst>
-    <p:notesMasterId r:id="rId16"/>
+    <p:notesMasterId r:id="rId14"/>
   </p:notesMasterIdLst>
   <p:sldIdLst>
     <p:sldId id="256" r:id="rId2"/>
@@ -17,11 +17,9 @@
     <p:sldId id="280" r:id="rId8"/>
     <p:sldId id="281" r:id="rId9"/>
     <p:sldId id="282" r:id="rId10"/>
-    <p:sldId id="270" r:id="rId11"/>
-    <p:sldId id="271" r:id="rId12"/>
-    <p:sldId id="269" r:id="rId13"/>
-    <p:sldId id="273" r:id="rId14"/>
-    <p:sldId id="283" r:id="rId15"/>
+    <p:sldId id="269" r:id="rId11"/>
+    <p:sldId id="273" r:id="rId12"/>
+    <p:sldId id="283" r:id="rId13"/>
   </p:sldIdLst>
   <p:sldSz cx="9144000" cy="6858000" type="screen4x3"/>
   <p:notesSz cx="6858000" cy="9144000"/>
@@ -210,7 +208,7 @@
           <a:p>
             <a:fld id="{E1BDF935-9821-4834-9D99-7DEFA719F44D}" type="datetimeFigureOut">
               <a:rPr lang="en-US" smtClean="0"/>
-              <a:t>6/9/2023</a:t>
+              <a:t>6/13/2024</a:t>
             </a:fld>
             <a:endParaRPr lang="en-US"/>
           </a:p>
@@ -2330,309 +2328,7 @@
       </p:sp>
       <p:sp>
         <p:nvSpPr>
-          <p:cNvPr id="3" name="Title 1"/>
-          <p:cNvSpPr txBox="1">
-            <a:spLocks/>
-          </p:cNvSpPr>
-          <p:nvPr/>
-        </p:nvSpPr>
-        <p:spPr>
-          <a:xfrm>
-            <a:off x="709053" y="4862785"/>
-            <a:ext cx="5644503" cy="508846"/>
-          </a:xfrm>
-          <a:prstGeom prst="rect">
-            <a:avLst/>
-          </a:prstGeom>
-        </p:spPr>
-        <p:txBody>
-          <a:bodyPr/>
-          <a:lstStyle>
-            <a:lvl1pPr algn="l" defTabSz="914400" rtl="0" eaLnBrk="1" latinLnBrk="0" hangingPunct="1">
-              <a:lnSpc>
-                <a:spcPct val="90000"/>
-              </a:lnSpc>
-              <a:spcBef>
-                <a:spcPct val="0"/>
-              </a:spcBef>
-              <a:buNone/>
-              <a:defRPr sz="3200" b="1" kern="1200">
-                <a:solidFill>
-                  <a:srgbClr val="019DD0"/>
-                </a:solidFill>
-                <a:latin typeface="Arial" panose="020B0604020202020204" pitchFamily="34" charset="0"/>
-                <a:ea typeface="+mj-ea"/>
-                <a:cs typeface="Arial" panose="020B0604020202020204" pitchFamily="34" charset="0"/>
-              </a:defRPr>
-            </a:lvl1pPr>
-          </a:lstStyle>
-          <a:p>
-            <a:pPr>
-              <a:lnSpc>
-                <a:spcPct val="100000"/>
-              </a:lnSpc>
-            </a:pPr>
-            <a:r>
-              <a:rPr lang="en-US" sz="2000" b="0" dirty="0" smtClean="0">
-                <a:solidFill>
-                  <a:schemeClr val="tx1">
-                    <a:lumMod val="95000"/>
-                    <a:lumOff val="5000"/>
-                  </a:schemeClr>
-                </a:solidFill>
-                <a:ea typeface="Roboto Condensed" pitchFamily="2" charset="0"/>
-              </a:rPr>
-              <a:t>Bước 1: Click Download tải file về máy tính</a:t>
-            </a:r>
-          </a:p>
-        </p:txBody>
-      </p:sp>
-      <p:pic>
-        <p:nvPicPr>
-          <p:cNvPr id="4" name="Picture 3"/>
-          <p:cNvPicPr>
-            <a:picLocks noChangeAspect="1"/>
-          </p:cNvPicPr>
-          <p:nvPr/>
-        </p:nvPicPr>
-        <p:blipFill>
-          <a:blip r:embed="rId2"/>
-          <a:stretch>
-            <a:fillRect/>
-          </a:stretch>
-        </p:blipFill>
-        <p:spPr>
-          <a:xfrm>
-            <a:off x="5743928" y="4822111"/>
-            <a:ext cx="2909512" cy="456394"/>
-          </a:xfrm>
-          <a:prstGeom prst="rect">
-            <a:avLst/>
-          </a:prstGeom>
-        </p:spPr>
-      </p:pic>
-      <p:sp>
-        <p:nvSpPr>
-          <p:cNvPr id="5" name="Title 1"/>
-          <p:cNvSpPr txBox="1">
-            <a:spLocks/>
-          </p:cNvSpPr>
-          <p:nvPr/>
-        </p:nvSpPr>
-        <p:spPr>
-          <a:xfrm>
-            <a:off x="709053" y="5412305"/>
-            <a:ext cx="8047836" cy="496573"/>
-          </a:xfrm>
-          <a:prstGeom prst="rect">
-            <a:avLst/>
-          </a:prstGeom>
-        </p:spPr>
-        <p:txBody>
-          <a:bodyPr/>
-          <a:lstStyle>
-            <a:lvl1pPr algn="l" defTabSz="914400" rtl="0" eaLnBrk="1" latinLnBrk="0" hangingPunct="1">
-              <a:lnSpc>
-                <a:spcPct val="90000"/>
-              </a:lnSpc>
-              <a:spcBef>
-                <a:spcPct val="0"/>
-              </a:spcBef>
-              <a:buNone/>
-              <a:defRPr sz="3200" b="1" kern="1200">
-                <a:solidFill>
-                  <a:srgbClr val="019DD0"/>
-                </a:solidFill>
-                <a:latin typeface="Arial" panose="020B0604020202020204" pitchFamily="34" charset="0"/>
-                <a:ea typeface="+mj-ea"/>
-                <a:cs typeface="Arial" panose="020B0604020202020204" pitchFamily="34" charset="0"/>
-              </a:defRPr>
-            </a:lvl1pPr>
-          </a:lstStyle>
-          <a:p>
-            <a:pPr>
-              <a:lnSpc>
-                <a:spcPct val="100000"/>
-              </a:lnSpc>
-            </a:pPr>
-            <a:r>
-              <a:rPr lang="en-US" sz="2000" b="0" dirty="0" smtClean="0">
-                <a:solidFill>
-                  <a:schemeClr val="tx1">
-                    <a:lumMod val="95000"/>
-                    <a:lumOff val="5000"/>
-                  </a:schemeClr>
-                </a:solidFill>
-                <a:ea typeface="Roboto Condensed" pitchFamily="2" charset="0"/>
-              </a:rPr>
-              <a:t>Bước 2: Gắn đầu USB vào máy tính, đầu micro USB vào micro:bit </a:t>
-            </a:r>
-          </a:p>
-        </p:txBody>
-      </p:sp>
-      <p:sp>
-        <p:nvSpPr>
-          <p:cNvPr id="8" name="TextBox 7"/>
-          <p:cNvSpPr txBox="1"/>
-          <p:nvPr/>
-        </p:nvSpPr>
-        <p:spPr>
-          <a:xfrm>
-            <a:off x="1265305" y="1364739"/>
-            <a:ext cx="5649845" cy="461665"/>
-          </a:xfrm>
-          <a:prstGeom prst="rect">
-            <a:avLst/>
-          </a:prstGeom>
-          <a:noFill/>
-        </p:spPr>
-        <p:txBody>
-          <a:bodyPr wrap="square" rtlCol="0">
-            <a:spAutoFit/>
-          </a:bodyPr>
-          <a:lstStyle/>
-          <a:p>
-            <a:r>
-              <a:rPr lang="en-US" sz="2400" b="1" dirty="0" smtClean="0">
-                <a:solidFill>
-                  <a:schemeClr val="tx1">
-                    <a:lumMod val="85000"/>
-                    <a:lumOff val="15000"/>
-                  </a:schemeClr>
-                </a:solidFill>
-                <a:latin typeface="UTM Helve" panose="02040603050506020204" pitchFamily="18" charset="0"/>
-                <a:ea typeface="Roboto" pitchFamily="2" charset="0"/>
-              </a:rPr>
-              <a:t>Đưa chương trình vào micro:bit</a:t>
-            </a:r>
-            <a:endParaRPr lang="en-US" sz="2400" b="1" dirty="0">
-              <a:solidFill>
-                <a:schemeClr val="tx1">
-                  <a:lumMod val="85000"/>
-                  <a:lumOff val="15000"/>
-                </a:schemeClr>
-              </a:solidFill>
-              <a:latin typeface="UTM Helve" panose="02040603050506020204" pitchFamily="18" charset="0"/>
-              <a:ea typeface="Roboto" pitchFamily="2" charset="0"/>
-            </a:endParaRPr>
-          </a:p>
-        </p:txBody>
-      </p:sp>
-      <p:pic>
-        <p:nvPicPr>
-          <p:cNvPr id="9" name="Picture 8"/>
-          <p:cNvPicPr>
-            <a:picLocks noChangeAspect="1"/>
-          </p:cNvPicPr>
-          <p:nvPr/>
-        </p:nvPicPr>
-        <p:blipFill>
-          <a:blip r:embed="rId3">
-            <a:extLst>
-              <a:ext uri="{28A0092B-C50C-407E-A947-70E740481C1C}">
-                <a14:useLocalDpi xmlns:a14="http://schemas.microsoft.com/office/drawing/2010/main" val="0"/>
-              </a:ext>
-            </a:extLst>
-          </a:blip>
-          <a:stretch>
-            <a:fillRect/>
-          </a:stretch>
-        </p:blipFill>
-        <p:spPr>
-          <a:xfrm>
-            <a:off x="709053" y="1437696"/>
-            <a:ext cx="466725" cy="409575"/>
-          </a:xfrm>
-          <a:prstGeom prst="rect">
-            <a:avLst/>
-          </a:prstGeom>
-        </p:spPr>
-      </p:pic>
-      <p:pic>
-        <p:nvPicPr>
-          <p:cNvPr id="11" name="Picture 10"/>
-          <p:cNvPicPr>
-            <a:picLocks noChangeAspect="1"/>
-          </p:cNvPicPr>
-          <p:nvPr/>
-        </p:nvPicPr>
-        <p:blipFill rotWithShape="1">
-          <a:blip r:embed="rId4"/>
-          <a:srcRect t="9567"/>
-          <a:stretch/>
-        </p:blipFill>
-        <p:spPr>
-          <a:xfrm>
-            <a:off x="1477989" y="1992477"/>
-            <a:ext cx="6441059" cy="2452204"/>
-          </a:xfrm>
-          <a:prstGeom prst="rect">
-            <a:avLst/>
-          </a:prstGeom>
-        </p:spPr>
-      </p:pic>
-      <p:sp>
-        <p:nvSpPr>
-          <p:cNvPr id="12" name="Title 1"/>
-          <p:cNvSpPr txBox="1">
-            <a:spLocks/>
-          </p:cNvSpPr>
-          <p:nvPr/>
-        </p:nvSpPr>
-        <p:spPr>
-          <a:xfrm>
-            <a:off x="709053" y="5983805"/>
-            <a:ext cx="8047836" cy="496573"/>
-          </a:xfrm>
-          <a:prstGeom prst="rect">
-            <a:avLst/>
-          </a:prstGeom>
-        </p:spPr>
-        <p:txBody>
-          <a:bodyPr/>
-          <a:lstStyle>
-            <a:lvl1pPr algn="l" defTabSz="914400" rtl="0" eaLnBrk="1" latinLnBrk="0" hangingPunct="1">
-              <a:lnSpc>
-                <a:spcPct val="90000"/>
-              </a:lnSpc>
-              <a:spcBef>
-                <a:spcPct val="0"/>
-              </a:spcBef>
-              <a:buNone/>
-              <a:defRPr sz="3200" b="1" kern="1200">
-                <a:solidFill>
-                  <a:srgbClr val="019DD0"/>
-                </a:solidFill>
-                <a:latin typeface="Arial" panose="020B0604020202020204" pitchFamily="34" charset="0"/>
-                <a:ea typeface="+mj-ea"/>
-                <a:cs typeface="Arial" panose="020B0604020202020204" pitchFamily="34" charset="0"/>
-              </a:defRPr>
-            </a:lvl1pPr>
-          </a:lstStyle>
-          <a:p>
-            <a:pPr>
-              <a:lnSpc>
-                <a:spcPct val="100000"/>
-              </a:lnSpc>
-            </a:pPr>
-            <a:r>
-              <a:rPr lang="en-US" sz="2000" b="0" dirty="0" smtClean="0">
-                <a:solidFill>
-                  <a:schemeClr val="tx1">
-                    <a:lumMod val="95000"/>
-                    <a:lumOff val="5000"/>
-                  </a:schemeClr>
-                </a:solidFill>
-                <a:ea typeface="Roboto Condensed" pitchFamily="2" charset="0"/>
-              </a:rPr>
-              <a:t>Bước 3: Copy file .hex vào micro:bit </a:t>
-            </a:r>
-          </a:p>
-        </p:txBody>
-      </p:sp>
-      <p:sp>
-        <p:nvSpPr>
-          <p:cNvPr id="15" name="Rectangle 14"/>
+          <p:cNvPr id="3" name="Rectangle 2"/>
           <p:cNvSpPr/>
           <p:nvPr/>
         </p:nvSpPr>
@@ -2687,14 +2383,14 @@
       </p:sp>
       <p:sp>
         <p:nvSpPr>
-          <p:cNvPr id="16" name="TextBox 15"/>
+          <p:cNvPr id="4" name="TextBox 3"/>
           <p:cNvSpPr txBox="1"/>
           <p:nvPr/>
         </p:nvSpPr>
         <p:spPr>
           <a:xfrm>
-            <a:off x="207035" y="546584"/>
-            <a:ext cx="8194843" cy="461665"/>
+            <a:off x="248815" y="546584"/>
+            <a:ext cx="7374995" cy="461665"/>
           </a:xfrm>
           <a:prstGeom prst="rect">
             <a:avLst/>
@@ -2715,27 +2411,7 @@
                 <a:latin typeface="UTM Helve" panose="02040603050506020204" pitchFamily="18" charset="0"/>
                 <a:ea typeface="Roboto" pitchFamily="2" charset="0"/>
               </a:rPr>
-              <a:t>6.2 </a:t>
-            </a:r>
-            <a:r>
-              <a:rPr lang="en-US" sz="2400" b="1" dirty="0">
-                <a:solidFill>
-                  <a:srgbClr val="64C7E9"/>
-                </a:solidFill>
-                <a:latin typeface="UTM Helve" panose="02040603050506020204" pitchFamily="18" charset="0"/>
-                <a:ea typeface="Roboto" pitchFamily="2" charset="0"/>
-              </a:rPr>
-              <a:t>Sử dụng </a:t>
-            </a:r>
-            <a:r>
-              <a:rPr lang="en-US" sz="2400" b="1" dirty="0" smtClean="0">
-                <a:solidFill>
-                  <a:srgbClr val="64C7E9"/>
-                </a:solidFill>
-                <a:latin typeface="UTM Helve" panose="02040603050506020204" pitchFamily="18" charset="0"/>
-                <a:ea typeface="Roboto" pitchFamily="2" charset="0"/>
-              </a:rPr>
-              <a:t>âm thanh với micro:bit</a:t>
+              <a:t>6.3 Hoạt động học viên</a:t>
             </a:r>
             <a:endParaRPr lang="en-US" sz="2400" b="1" dirty="0">
               <a:solidFill>
@@ -2747,16 +2423,873 @@
           </a:p>
         </p:txBody>
       </p:sp>
+      <p:sp>
+        <p:nvSpPr>
+          <p:cNvPr id="8" name="TextBox 7"/>
+          <p:cNvSpPr txBox="1"/>
+          <p:nvPr/>
+        </p:nvSpPr>
+        <p:spPr>
+          <a:xfrm>
+            <a:off x="1236140" y="1389829"/>
+            <a:ext cx="4482860" cy="461665"/>
+          </a:xfrm>
+          <a:prstGeom prst="rect">
+            <a:avLst/>
+          </a:prstGeom>
+          <a:noFill/>
+        </p:spPr>
+        <p:txBody>
+          <a:bodyPr wrap="square" rtlCol="0">
+            <a:spAutoFit/>
+          </a:bodyPr>
+          <a:lstStyle/>
+          <a:p>
+            <a:r>
+              <a:rPr lang="en-US" sz="2400" b="1" dirty="0">
+                <a:solidFill>
+                  <a:schemeClr val="tx1">
+                    <a:lumMod val="85000"/>
+                    <a:lumOff val="15000"/>
+                  </a:schemeClr>
+                </a:solidFill>
+                <a:latin typeface="UTM Helve" panose="02040603050506020204" pitchFamily="18" charset="0"/>
+                <a:ea typeface="Roboto" pitchFamily="2" charset="0"/>
+              </a:rPr>
+              <a:t>Giai điệu </a:t>
+            </a:r>
+            <a:r>
+              <a:rPr lang="en-US" sz="2400" b="1" dirty="0" smtClean="0">
+                <a:solidFill>
+                  <a:schemeClr val="tx1">
+                    <a:lumMod val="85000"/>
+                    <a:lumOff val="15000"/>
+                  </a:schemeClr>
+                </a:solidFill>
+                <a:latin typeface="UTM Helve" panose="02040603050506020204" pitchFamily="18" charset="0"/>
+                <a:ea typeface="Roboto" pitchFamily="2" charset="0"/>
+              </a:rPr>
+              <a:t>yêu </a:t>
+            </a:r>
+            <a:r>
+              <a:rPr lang="en-US" sz="2400" b="1" dirty="0">
+                <a:solidFill>
+                  <a:schemeClr val="tx1">
+                    <a:lumMod val="85000"/>
+                    <a:lumOff val="15000"/>
+                  </a:schemeClr>
+                </a:solidFill>
+                <a:latin typeface="UTM Helve" panose="02040603050506020204" pitchFamily="18" charset="0"/>
+                <a:ea typeface="Roboto" pitchFamily="2" charset="0"/>
+              </a:rPr>
+              <a:t>thích</a:t>
+            </a:r>
+          </a:p>
+        </p:txBody>
+      </p:sp>
+      <p:pic>
+        <p:nvPicPr>
+          <p:cNvPr id="9" name="Picture 8"/>
+          <p:cNvPicPr>
+            <a:picLocks noChangeAspect="1"/>
+          </p:cNvPicPr>
+          <p:nvPr/>
+        </p:nvPicPr>
+        <p:blipFill>
+          <a:blip r:embed="rId2">
+            <a:extLst>
+              <a:ext uri="{28A0092B-C50C-407E-A947-70E740481C1C}">
+                <a14:useLocalDpi xmlns:a14="http://schemas.microsoft.com/office/drawing/2010/main" val="0"/>
+              </a:ext>
+            </a:extLst>
+          </a:blip>
+          <a:stretch>
+            <a:fillRect/>
+          </a:stretch>
+        </p:blipFill>
+        <p:spPr>
+          <a:xfrm>
+            <a:off x="679888" y="1462786"/>
+            <a:ext cx="466725" cy="409575"/>
+          </a:xfrm>
+          <a:prstGeom prst="rect">
+            <a:avLst/>
+          </a:prstGeom>
+        </p:spPr>
+      </p:pic>
+      <p:sp>
+        <p:nvSpPr>
+          <p:cNvPr id="10" name="TextBox 9"/>
+          <p:cNvSpPr txBox="1"/>
+          <p:nvPr/>
+        </p:nvSpPr>
+        <p:spPr>
+          <a:xfrm>
+            <a:off x="484565" y="2048024"/>
+            <a:ext cx="6682908" cy="400110"/>
+          </a:xfrm>
+          <a:prstGeom prst="rect">
+            <a:avLst/>
+          </a:prstGeom>
+          <a:noFill/>
+        </p:spPr>
+        <p:txBody>
+          <a:bodyPr wrap="square" rtlCol="0">
+            <a:spAutoFit/>
+          </a:bodyPr>
+          <a:lstStyle/>
+          <a:p>
+            <a:r>
+              <a:rPr lang="vi-VN" sz="2000" dirty="0">
+                <a:solidFill>
+                  <a:schemeClr val="tx1">
+                    <a:lumMod val="85000"/>
+                    <a:lumOff val="15000"/>
+                  </a:schemeClr>
+                </a:solidFill>
+                <a:ea typeface="Roboto" pitchFamily="2" charset="0"/>
+              </a:rPr>
+              <a:t>Tạo chương trình chơi </a:t>
+            </a:r>
+            <a:r>
+              <a:rPr lang="vi-VN" sz="2000" b="1" dirty="0">
+                <a:solidFill>
+                  <a:schemeClr val="tx1">
+                    <a:lumMod val="85000"/>
+                    <a:lumOff val="15000"/>
+                  </a:schemeClr>
+                </a:solidFill>
+                <a:ea typeface="Roboto" pitchFamily="2" charset="0"/>
+              </a:rPr>
+              <a:t>5 giai điệu có sẵn </a:t>
+            </a:r>
+            <a:r>
+              <a:rPr lang="vi-VN" sz="2000" dirty="0">
+                <a:solidFill>
+                  <a:schemeClr val="tx1">
+                    <a:lumMod val="85000"/>
+                    <a:lumOff val="15000"/>
+                  </a:schemeClr>
+                </a:solidFill>
+                <a:ea typeface="Roboto" pitchFamily="2" charset="0"/>
+              </a:rPr>
+              <a:t>mà bạn thích.</a:t>
+            </a:r>
+            <a:endParaRPr lang="en-US" sz="2000" dirty="0">
+              <a:solidFill>
+                <a:schemeClr val="tx1">
+                  <a:lumMod val="85000"/>
+                  <a:lumOff val="15000"/>
+                </a:schemeClr>
+              </a:solidFill>
+              <a:ea typeface="Roboto" pitchFamily="2" charset="0"/>
+            </a:endParaRPr>
+          </a:p>
+        </p:txBody>
+      </p:sp>
+      <p:sp>
+        <p:nvSpPr>
+          <p:cNvPr id="12" name="TextBox 11"/>
+          <p:cNvSpPr txBox="1"/>
+          <p:nvPr/>
+        </p:nvSpPr>
+        <p:spPr>
+          <a:xfrm>
+            <a:off x="733842" y="2701020"/>
+            <a:ext cx="4023690" cy="400110"/>
+          </a:xfrm>
+          <a:prstGeom prst="rect">
+            <a:avLst/>
+          </a:prstGeom>
+          <a:noFill/>
+        </p:spPr>
+        <p:txBody>
+          <a:bodyPr wrap="square" rtlCol="0">
+            <a:spAutoFit/>
+          </a:bodyPr>
+          <a:lstStyle/>
+          <a:p>
+            <a:r>
+              <a:rPr lang="en-US" sz="2000" dirty="0">
+                <a:solidFill>
+                  <a:schemeClr val="tx1">
+                    <a:lumMod val="85000"/>
+                    <a:lumOff val="15000"/>
+                  </a:schemeClr>
+                </a:solidFill>
+                <a:ea typeface="Roboto" pitchFamily="2" charset="0"/>
+              </a:rPr>
+              <a:t>Nhấn Button A thì chạy giai điệu 1</a:t>
+            </a:r>
+            <a:endParaRPr lang="en-US" sz="2000" b="1" dirty="0">
+              <a:solidFill>
+                <a:schemeClr val="tx1">
+                  <a:lumMod val="85000"/>
+                  <a:lumOff val="15000"/>
+                </a:schemeClr>
+              </a:solidFill>
+              <a:ea typeface="Roboto" pitchFamily="2" charset="0"/>
+            </a:endParaRPr>
+          </a:p>
+        </p:txBody>
+      </p:sp>
+      <p:sp>
+        <p:nvSpPr>
+          <p:cNvPr id="18" name="Rectangle 17"/>
+          <p:cNvSpPr/>
+          <p:nvPr/>
+        </p:nvSpPr>
+        <p:spPr>
+          <a:xfrm>
+            <a:off x="484565" y="2802653"/>
+            <a:ext cx="168260" cy="168260"/>
+          </a:xfrm>
+          <a:prstGeom prst="rect">
+            <a:avLst/>
+          </a:prstGeom>
+          <a:solidFill>
+            <a:srgbClr val="64C7E9"/>
+          </a:solidFill>
+          <a:ln>
+            <a:noFill/>
+          </a:ln>
+        </p:spPr>
+        <p:style>
+          <a:lnRef idx="2">
+            <a:schemeClr val="accent1">
+              <a:shade val="50000"/>
+            </a:schemeClr>
+          </a:lnRef>
+          <a:fillRef idx="1">
+            <a:schemeClr val="accent1"/>
+          </a:fillRef>
+          <a:effectRef idx="0">
+            <a:schemeClr val="accent1"/>
+          </a:effectRef>
+          <a:fontRef idx="minor">
+            <a:schemeClr val="lt1"/>
+          </a:fontRef>
+        </p:style>
+        <p:txBody>
+          <a:bodyPr rtlCol="0" anchor="ctr"/>
+          <a:lstStyle/>
+          <a:p>
+            <a:pPr algn="ctr"/>
+            <a:endParaRPr lang="en-US"/>
+          </a:p>
+        </p:txBody>
+      </p:sp>
+      <p:sp>
+        <p:nvSpPr>
+          <p:cNvPr id="19" name="TextBox 18"/>
+          <p:cNvSpPr txBox="1"/>
+          <p:nvPr/>
+        </p:nvSpPr>
+        <p:spPr>
+          <a:xfrm>
+            <a:off x="733842" y="3244359"/>
+            <a:ext cx="4023690" cy="400110"/>
+          </a:xfrm>
+          <a:prstGeom prst="rect">
+            <a:avLst/>
+          </a:prstGeom>
+          <a:noFill/>
+        </p:spPr>
+        <p:txBody>
+          <a:bodyPr wrap="square" rtlCol="0">
+            <a:spAutoFit/>
+          </a:bodyPr>
+          <a:lstStyle/>
+          <a:p>
+            <a:r>
+              <a:rPr lang="en-US" sz="2000" dirty="0">
+                <a:solidFill>
+                  <a:schemeClr val="tx1">
+                    <a:lumMod val="85000"/>
+                    <a:lumOff val="15000"/>
+                  </a:schemeClr>
+                </a:solidFill>
+                <a:ea typeface="Roboto" pitchFamily="2" charset="0"/>
+              </a:rPr>
+              <a:t>Nhấn Button B</a:t>
+            </a:r>
+            <a:r>
+              <a:rPr lang="en-US" sz="2000" dirty="0" smtClean="0">
+                <a:solidFill>
+                  <a:schemeClr val="tx1">
+                    <a:lumMod val="85000"/>
+                    <a:lumOff val="15000"/>
+                  </a:schemeClr>
+                </a:solidFill>
+                <a:ea typeface="Roboto" pitchFamily="2" charset="0"/>
+              </a:rPr>
+              <a:t> </a:t>
+            </a:r>
+            <a:r>
+              <a:rPr lang="en-US" sz="2000" dirty="0">
+                <a:solidFill>
+                  <a:schemeClr val="tx1">
+                    <a:lumMod val="85000"/>
+                    <a:lumOff val="15000"/>
+                  </a:schemeClr>
+                </a:solidFill>
+                <a:ea typeface="Roboto" pitchFamily="2" charset="0"/>
+              </a:rPr>
+              <a:t>thì chạy giai điệu </a:t>
+            </a:r>
+            <a:r>
+              <a:rPr lang="en-US" sz="2000" dirty="0" smtClean="0">
+                <a:solidFill>
+                  <a:schemeClr val="tx1">
+                    <a:lumMod val="85000"/>
+                    <a:lumOff val="15000"/>
+                  </a:schemeClr>
+                </a:solidFill>
+                <a:ea typeface="Roboto" pitchFamily="2" charset="0"/>
+              </a:rPr>
+              <a:t>2</a:t>
+            </a:r>
+            <a:endParaRPr lang="en-US" sz="2000" b="1" dirty="0">
+              <a:solidFill>
+                <a:schemeClr val="tx1">
+                  <a:lumMod val="85000"/>
+                  <a:lumOff val="15000"/>
+                </a:schemeClr>
+              </a:solidFill>
+              <a:ea typeface="Roboto" pitchFamily="2" charset="0"/>
+            </a:endParaRPr>
+          </a:p>
+        </p:txBody>
+      </p:sp>
+      <p:sp>
+        <p:nvSpPr>
+          <p:cNvPr id="20" name="Rectangle 19"/>
+          <p:cNvSpPr/>
+          <p:nvPr/>
+        </p:nvSpPr>
+        <p:spPr>
+          <a:xfrm>
+            <a:off x="484565" y="3345992"/>
+            <a:ext cx="168260" cy="168260"/>
+          </a:xfrm>
+          <a:prstGeom prst="rect">
+            <a:avLst/>
+          </a:prstGeom>
+          <a:solidFill>
+            <a:srgbClr val="64C7E9"/>
+          </a:solidFill>
+          <a:ln>
+            <a:noFill/>
+          </a:ln>
+        </p:spPr>
+        <p:style>
+          <a:lnRef idx="2">
+            <a:schemeClr val="accent1">
+              <a:shade val="50000"/>
+            </a:schemeClr>
+          </a:lnRef>
+          <a:fillRef idx="1">
+            <a:schemeClr val="accent1"/>
+          </a:fillRef>
+          <a:effectRef idx="0">
+            <a:schemeClr val="accent1"/>
+          </a:effectRef>
+          <a:fontRef idx="minor">
+            <a:schemeClr val="lt1"/>
+          </a:fontRef>
+        </p:style>
+        <p:txBody>
+          <a:bodyPr rtlCol="0" anchor="ctr"/>
+          <a:lstStyle/>
+          <a:p>
+            <a:pPr algn="ctr"/>
+            <a:endParaRPr lang="en-US"/>
+          </a:p>
+        </p:txBody>
+      </p:sp>
+      <p:sp>
+        <p:nvSpPr>
+          <p:cNvPr id="23" name="TextBox 22"/>
+          <p:cNvSpPr txBox="1"/>
+          <p:nvPr/>
+        </p:nvSpPr>
+        <p:spPr>
+          <a:xfrm>
+            <a:off x="733841" y="3827455"/>
+            <a:ext cx="4408003" cy="400110"/>
+          </a:xfrm>
+          <a:prstGeom prst="rect">
+            <a:avLst/>
+          </a:prstGeom>
+          <a:noFill/>
+        </p:spPr>
+        <p:txBody>
+          <a:bodyPr wrap="square" rtlCol="0">
+            <a:spAutoFit/>
+          </a:bodyPr>
+          <a:lstStyle/>
+          <a:p>
+            <a:r>
+              <a:rPr lang="en-US" sz="2000" dirty="0">
+                <a:solidFill>
+                  <a:schemeClr val="tx1">
+                    <a:lumMod val="85000"/>
+                    <a:lumOff val="15000"/>
+                  </a:schemeClr>
+                </a:solidFill>
+                <a:ea typeface="Roboto" pitchFamily="2" charset="0"/>
+              </a:rPr>
+              <a:t>Nhấn Button </a:t>
+            </a:r>
+            <a:r>
+              <a:rPr lang="en-US" sz="2000" dirty="0" smtClean="0">
+                <a:solidFill>
+                  <a:schemeClr val="tx1">
+                    <a:lumMod val="85000"/>
+                    <a:lumOff val="15000"/>
+                  </a:schemeClr>
+                </a:solidFill>
+                <a:ea typeface="Roboto" pitchFamily="2" charset="0"/>
+              </a:rPr>
+              <a:t>A+B </a:t>
+            </a:r>
+            <a:r>
+              <a:rPr lang="en-US" sz="2000" dirty="0">
+                <a:solidFill>
+                  <a:schemeClr val="tx1">
+                    <a:lumMod val="85000"/>
+                    <a:lumOff val="15000"/>
+                  </a:schemeClr>
+                </a:solidFill>
+                <a:ea typeface="Roboto" pitchFamily="2" charset="0"/>
+              </a:rPr>
+              <a:t>thì chạy giai điệu </a:t>
+            </a:r>
+            <a:r>
+              <a:rPr lang="en-US" sz="2000" dirty="0" smtClean="0">
+                <a:solidFill>
+                  <a:schemeClr val="tx1">
+                    <a:lumMod val="85000"/>
+                    <a:lumOff val="15000"/>
+                  </a:schemeClr>
+                </a:solidFill>
+                <a:ea typeface="Roboto" pitchFamily="2" charset="0"/>
+              </a:rPr>
+              <a:t>3</a:t>
+            </a:r>
+            <a:endParaRPr lang="en-US" sz="2000" b="1" dirty="0">
+              <a:solidFill>
+                <a:schemeClr val="tx1">
+                  <a:lumMod val="85000"/>
+                  <a:lumOff val="15000"/>
+                </a:schemeClr>
+              </a:solidFill>
+              <a:ea typeface="Roboto" pitchFamily="2" charset="0"/>
+            </a:endParaRPr>
+          </a:p>
+        </p:txBody>
+      </p:sp>
+      <p:sp>
+        <p:nvSpPr>
+          <p:cNvPr id="24" name="Rectangle 23"/>
+          <p:cNvSpPr/>
+          <p:nvPr/>
+        </p:nvSpPr>
+        <p:spPr>
+          <a:xfrm>
+            <a:off x="484565" y="3929088"/>
+            <a:ext cx="168260" cy="168260"/>
+          </a:xfrm>
+          <a:prstGeom prst="rect">
+            <a:avLst/>
+          </a:prstGeom>
+          <a:solidFill>
+            <a:srgbClr val="64C7E9"/>
+          </a:solidFill>
+          <a:ln>
+            <a:noFill/>
+          </a:ln>
+        </p:spPr>
+        <p:style>
+          <a:lnRef idx="2">
+            <a:schemeClr val="accent1">
+              <a:shade val="50000"/>
+            </a:schemeClr>
+          </a:lnRef>
+          <a:fillRef idx="1">
+            <a:schemeClr val="accent1"/>
+          </a:fillRef>
+          <a:effectRef idx="0">
+            <a:schemeClr val="accent1"/>
+          </a:effectRef>
+          <a:fontRef idx="minor">
+            <a:schemeClr val="lt1"/>
+          </a:fontRef>
+        </p:style>
+        <p:txBody>
+          <a:bodyPr rtlCol="0" anchor="ctr"/>
+          <a:lstStyle/>
+          <a:p>
+            <a:pPr algn="ctr"/>
+            <a:endParaRPr lang="en-US"/>
+          </a:p>
+        </p:txBody>
+      </p:sp>
+      <p:sp>
+        <p:nvSpPr>
+          <p:cNvPr id="25" name="TextBox 24"/>
+          <p:cNvSpPr txBox="1"/>
+          <p:nvPr/>
+        </p:nvSpPr>
+        <p:spPr>
+          <a:xfrm>
+            <a:off x="733842" y="4370794"/>
+            <a:ext cx="4023690" cy="400110"/>
+          </a:xfrm>
+          <a:prstGeom prst="rect">
+            <a:avLst/>
+          </a:prstGeom>
+          <a:noFill/>
+        </p:spPr>
+        <p:txBody>
+          <a:bodyPr wrap="square" rtlCol="0">
+            <a:spAutoFit/>
+          </a:bodyPr>
+          <a:lstStyle/>
+          <a:p>
+            <a:r>
+              <a:rPr lang="en-US" sz="2000" dirty="0" smtClean="0">
+                <a:solidFill>
+                  <a:schemeClr val="tx1">
+                    <a:lumMod val="85000"/>
+                    <a:lumOff val="15000"/>
+                  </a:schemeClr>
+                </a:solidFill>
+                <a:ea typeface="Roboto" pitchFamily="2" charset="0"/>
+              </a:rPr>
+              <a:t>Chạm Logo thì </a:t>
+            </a:r>
+            <a:r>
+              <a:rPr lang="en-US" sz="2000" dirty="0">
+                <a:solidFill>
+                  <a:schemeClr val="tx1">
+                    <a:lumMod val="85000"/>
+                    <a:lumOff val="15000"/>
+                  </a:schemeClr>
+                </a:solidFill>
+                <a:ea typeface="Roboto" pitchFamily="2" charset="0"/>
+              </a:rPr>
+              <a:t>chạy giai điệu </a:t>
+            </a:r>
+            <a:r>
+              <a:rPr lang="en-US" sz="2000" dirty="0" smtClean="0">
+                <a:solidFill>
+                  <a:schemeClr val="tx1">
+                    <a:lumMod val="85000"/>
+                    <a:lumOff val="15000"/>
+                  </a:schemeClr>
+                </a:solidFill>
+                <a:ea typeface="Roboto" pitchFamily="2" charset="0"/>
+              </a:rPr>
+              <a:t>4</a:t>
+            </a:r>
+            <a:endParaRPr lang="en-US" sz="2000" b="1" dirty="0">
+              <a:solidFill>
+                <a:schemeClr val="tx1">
+                  <a:lumMod val="85000"/>
+                  <a:lumOff val="15000"/>
+                </a:schemeClr>
+              </a:solidFill>
+              <a:ea typeface="Roboto" pitchFamily="2" charset="0"/>
+            </a:endParaRPr>
+          </a:p>
+        </p:txBody>
+      </p:sp>
+      <p:sp>
+        <p:nvSpPr>
+          <p:cNvPr id="26" name="Rectangle 25"/>
+          <p:cNvSpPr/>
+          <p:nvPr/>
+        </p:nvSpPr>
+        <p:spPr>
+          <a:xfrm>
+            <a:off x="484565" y="4472427"/>
+            <a:ext cx="168260" cy="168260"/>
+          </a:xfrm>
+          <a:prstGeom prst="rect">
+            <a:avLst/>
+          </a:prstGeom>
+          <a:solidFill>
+            <a:srgbClr val="64C7E9"/>
+          </a:solidFill>
+          <a:ln>
+            <a:noFill/>
+          </a:ln>
+        </p:spPr>
+        <p:style>
+          <a:lnRef idx="2">
+            <a:schemeClr val="accent1">
+              <a:shade val="50000"/>
+            </a:schemeClr>
+          </a:lnRef>
+          <a:fillRef idx="1">
+            <a:schemeClr val="accent1"/>
+          </a:fillRef>
+          <a:effectRef idx="0">
+            <a:schemeClr val="accent1"/>
+          </a:effectRef>
+          <a:fontRef idx="minor">
+            <a:schemeClr val="lt1"/>
+          </a:fontRef>
+        </p:style>
+        <p:txBody>
+          <a:bodyPr rtlCol="0" anchor="ctr"/>
+          <a:lstStyle/>
+          <a:p>
+            <a:pPr algn="ctr"/>
+            <a:endParaRPr lang="en-US"/>
+          </a:p>
+        </p:txBody>
+      </p:sp>
+      <p:sp>
+        <p:nvSpPr>
+          <p:cNvPr id="27" name="TextBox 26"/>
+          <p:cNvSpPr txBox="1"/>
+          <p:nvPr/>
+        </p:nvSpPr>
+        <p:spPr>
+          <a:xfrm>
+            <a:off x="733842" y="4953890"/>
+            <a:ext cx="4023690" cy="400110"/>
+          </a:xfrm>
+          <a:prstGeom prst="rect">
+            <a:avLst/>
+          </a:prstGeom>
+          <a:noFill/>
+        </p:spPr>
+        <p:txBody>
+          <a:bodyPr wrap="square" rtlCol="0">
+            <a:spAutoFit/>
+          </a:bodyPr>
+          <a:lstStyle/>
+          <a:p>
+            <a:r>
+              <a:rPr lang="en-US" sz="2000" dirty="0">
+                <a:solidFill>
+                  <a:schemeClr val="tx1">
+                    <a:lumMod val="85000"/>
+                    <a:lumOff val="15000"/>
+                  </a:schemeClr>
+                </a:solidFill>
+                <a:ea typeface="Roboto" pitchFamily="2" charset="0"/>
+              </a:rPr>
+              <a:t>Lắc micro:bit thì chạy giai điệu </a:t>
+            </a:r>
+            <a:r>
+              <a:rPr lang="en-US" sz="2000" dirty="0" smtClean="0">
+                <a:solidFill>
+                  <a:schemeClr val="tx1">
+                    <a:lumMod val="85000"/>
+                    <a:lumOff val="15000"/>
+                  </a:schemeClr>
+                </a:solidFill>
+                <a:ea typeface="Roboto" pitchFamily="2" charset="0"/>
+              </a:rPr>
+              <a:t>5</a:t>
+            </a:r>
+            <a:endParaRPr lang="en-US" sz="2000" b="1" dirty="0">
+              <a:solidFill>
+                <a:schemeClr val="tx1">
+                  <a:lumMod val="85000"/>
+                  <a:lumOff val="15000"/>
+                </a:schemeClr>
+              </a:solidFill>
+              <a:ea typeface="Roboto" pitchFamily="2" charset="0"/>
+            </a:endParaRPr>
+          </a:p>
+        </p:txBody>
+      </p:sp>
+      <p:sp>
+        <p:nvSpPr>
+          <p:cNvPr id="28" name="Rectangle 27"/>
+          <p:cNvSpPr/>
+          <p:nvPr/>
+        </p:nvSpPr>
+        <p:spPr>
+          <a:xfrm>
+            <a:off x="484565" y="5095279"/>
+            <a:ext cx="168260" cy="168260"/>
+          </a:xfrm>
+          <a:prstGeom prst="rect">
+            <a:avLst/>
+          </a:prstGeom>
+          <a:solidFill>
+            <a:srgbClr val="64C7E9"/>
+          </a:solidFill>
+          <a:ln>
+            <a:noFill/>
+          </a:ln>
+        </p:spPr>
+        <p:style>
+          <a:lnRef idx="2">
+            <a:schemeClr val="accent1">
+              <a:shade val="50000"/>
+            </a:schemeClr>
+          </a:lnRef>
+          <a:fillRef idx="1">
+            <a:schemeClr val="accent1"/>
+          </a:fillRef>
+          <a:effectRef idx="0">
+            <a:schemeClr val="accent1"/>
+          </a:effectRef>
+          <a:fontRef idx="minor">
+            <a:schemeClr val="lt1"/>
+          </a:fontRef>
+        </p:style>
+        <p:txBody>
+          <a:bodyPr rtlCol="0" anchor="ctr"/>
+          <a:lstStyle/>
+          <a:p>
+            <a:pPr algn="ctr"/>
+            <a:endParaRPr lang="en-US"/>
+          </a:p>
+        </p:txBody>
+      </p:sp>
+      <p:pic>
+        <p:nvPicPr>
+          <p:cNvPr id="5" name="Picture 4"/>
+          <p:cNvPicPr>
+            <a:picLocks noChangeAspect="1"/>
+          </p:cNvPicPr>
+          <p:nvPr/>
+        </p:nvPicPr>
+        <p:blipFill>
+          <a:blip r:embed="rId3"/>
+          <a:stretch>
+            <a:fillRect/>
+          </a:stretch>
+        </p:blipFill>
+        <p:spPr>
+          <a:xfrm>
+            <a:off x="5113387" y="3975163"/>
+            <a:ext cx="2772162" cy="2314898"/>
+          </a:xfrm>
+          <a:prstGeom prst="rect">
+            <a:avLst/>
+          </a:prstGeom>
+        </p:spPr>
+      </p:pic>
+      <p:pic>
+        <p:nvPicPr>
+          <p:cNvPr id="6" name="Picture 5"/>
+          <p:cNvPicPr>
+            <a:picLocks noChangeAspect="1"/>
+          </p:cNvPicPr>
+          <p:nvPr/>
+        </p:nvPicPr>
+        <p:blipFill>
+          <a:blip r:embed="rId4"/>
+          <a:stretch>
+            <a:fillRect/>
+          </a:stretch>
+        </p:blipFill>
+        <p:spPr>
+          <a:xfrm>
+            <a:off x="5183104" y="2631120"/>
+            <a:ext cx="3648584" cy="571580"/>
+          </a:xfrm>
+          <a:prstGeom prst="rect">
+            <a:avLst/>
+          </a:prstGeom>
+        </p:spPr>
+      </p:pic>
+      <p:pic>
+        <p:nvPicPr>
+          <p:cNvPr id="7" name="Picture 6"/>
+          <p:cNvPicPr>
+            <a:picLocks noChangeAspect="1"/>
+          </p:cNvPicPr>
+          <p:nvPr/>
+        </p:nvPicPr>
+        <p:blipFill>
+          <a:blip r:embed="rId5"/>
+          <a:stretch>
+            <a:fillRect/>
+          </a:stretch>
+        </p:blipFill>
+        <p:spPr>
+          <a:xfrm>
+            <a:off x="5183104" y="3284475"/>
+            <a:ext cx="3019846" cy="571580"/>
+          </a:xfrm>
+          <a:prstGeom prst="rect">
+            <a:avLst/>
+          </a:prstGeom>
+        </p:spPr>
+      </p:pic>
+      <p:sp>
+        <p:nvSpPr>
+          <p:cNvPr id="29" name="TextBox 28"/>
+          <p:cNvSpPr txBox="1"/>
+          <p:nvPr/>
+        </p:nvSpPr>
+        <p:spPr>
+          <a:xfrm>
+            <a:off x="505717" y="5629751"/>
+            <a:ext cx="4023690" cy="707886"/>
+          </a:xfrm>
+          <a:prstGeom prst="rect">
+            <a:avLst/>
+          </a:prstGeom>
+          <a:noFill/>
+        </p:spPr>
+        <p:txBody>
+          <a:bodyPr wrap="square" rtlCol="0">
+            <a:spAutoFit/>
+          </a:bodyPr>
+          <a:lstStyle/>
+          <a:p>
+            <a:r>
+              <a:rPr lang="en-US" sz="2000" dirty="0" smtClean="0">
+                <a:solidFill>
+                  <a:schemeClr val="tx1">
+                    <a:lumMod val="85000"/>
+                    <a:lumOff val="15000"/>
+                  </a:schemeClr>
+                </a:solidFill>
+                <a:ea typeface="Roboto" pitchFamily="2" charset="0"/>
+              </a:rPr>
+              <a:t>Hiển thị icon nốt nhạc trong khi chơi nhạc.</a:t>
+            </a:r>
+            <a:endParaRPr lang="en-US" sz="2000" b="1" dirty="0">
+              <a:solidFill>
+                <a:schemeClr val="tx1">
+                  <a:lumMod val="85000"/>
+                  <a:lumOff val="15000"/>
+                </a:schemeClr>
+              </a:solidFill>
+              <a:ea typeface="Roboto" pitchFamily="2" charset="0"/>
+            </a:endParaRPr>
+          </a:p>
+        </p:txBody>
+      </p:sp>
     </p:spTree>
     <p:extLst>
       <p:ext uri="{BB962C8B-B14F-4D97-AF65-F5344CB8AC3E}">
-        <p14:creationId xmlns:p14="http://schemas.microsoft.com/office/powerpoint/2010/main" val="518385681"/>
+        <p14:creationId xmlns:p14="http://schemas.microsoft.com/office/powerpoint/2010/main" val="2789131954"/>
       </p:ext>
     </p:extLst>
   </p:cSld>
   <p:clrMapOvr>
     <a:masterClrMapping/>
   </p:clrMapOvr>
+  <p:timing>
+    <p:tnLst>
+      <p:par>
+        <p:cTn id="1" dur="indefinite" restart="never" nodeType="tmRoot"/>
+      </p:par>
+    </p:tnLst>
+  </p:timing>
 </p:sld>
 </file>
 
@@ -2777,6 +3310,30 @@
           <a:chExt cx="0" cy="0"/>
         </a:xfrm>
       </p:grpSpPr>
+      <p:pic>
+        <p:nvPicPr>
+          <p:cNvPr id="22" name="Picture 21"/>
+          <p:cNvPicPr>
+            <a:picLocks noChangeAspect="1"/>
+          </p:cNvPicPr>
+          <p:nvPr/>
+        </p:nvPicPr>
+        <p:blipFill>
+          <a:blip r:embed="rId2"/>
+          <a:stretch>
+            <a:fillRect/>
+          </a:stretch>
+        </p:blipFill>
+        <p:spPr>
+          <a:xfrm>
+            <a:off x="6667496" y="2311419"/>
+            <a:ext cx="2089393" cy="1735136"/>
+          </a:xfrm>
+          <a:prstGeom prst="rect">
+            <a:avLst/>
+          </a:prstGeom>
+        </p:spPr>
+      </p:pic>
       <p:sp>
         <p:nvSpPr>
           <p:cNvPr id="2" name="Slide Number Placeholder 1"/>
@@ -2803,267 +3360,7 @@
       </p:sp>
       <p:sp>
         <p:nvSpPr>
-          <p:cNvPr id="5" name="TextBox 4"/>
-          <p:cNvSpPr txBox="1"/>
-          <p:nvPr/>
-        </p:nvSpPr>
-        <p:spPr>
-          <a:xfrm>
-            <a:off x="1265305" y="1364739"/>
-            <a:ext cx="5649845" cy="461665"/>
-          </a:xfrm>
-          <a:prstGeom prst="rect">
-            <a:avLst/>
-          </a:prstGeom>
-          <a:noFill/>
-        </p:spPr>
-        <p:txBody>
-          <a:bodyPr wrap="square" rtlCol="0">
-            <a:spAutoFit/>
-          </a:bodyPr>
-          <a:lstStyle/>
-          <a:p>
-            <a:r>
-              <a:rPr lang="en-US" sz="2400" b="1" dirty="0" smtClean="0">
-                <a:solidFill>
-                  <a:schemeClr val="tx1">
-                    <a:lumMod val="85000"/>
-                    <a:lumOff val="15000"/>
-                  </a:schemeClr>
-                </a:solidFill>
-                <a:latin typeface="UTM Helve" panose="02040603050506020204" pitchFamily="18" charset="0"/>
-                <a:ea typeface="Roboto" pitchFamily="2" charset="0"/>
-              </a:rPr>
-              <a:t>Giữ an toàn cho micro:bit</a:t>
-            </a:r>
-            <a:endParaRPr lang="en-US" sz="2400" b="1" dirty="0">
-              <a:solidFill>
-                <a:schemeClr val="tx1">
-                  <a:lumMod val="85000"/>
-                  <a:lumOff val="15000"/>
-                </a:schemeClr>
-              </a:solidFill>
-              <a:latin typeface="UTM Helve" panose="02040603050506020204" pitchFamily="18" charset="0"/>
-              <a:ea typeface="Roboto" pitchFamily="2" charset="0"/>
-            </a:endParaRPr>
-          </a:p>
-        </p:txBody>
-      </p:sp>
-      <p:pic>
-        <p:nvPicPr>
-          <p:cNvPr id="6" name="Picture 5"/>
-          <p:cNvPicPr>
-            <a:picLocks noChangeAspect="1"/>
-          </p:cNvPicPr>
-          <p:nvPr/>
-        </p:nvPicPr>
-        <p:blipFill>
-          <a:blip r:embed="rId2">
-            <a:extLst>
-              <a:ext uri="{28A0092B-C50C-407E-A947-70E740481C1C}">
-                <a14:useLocalDpi xmlns:a14="http://schemas.microsoft.com/office/drawing/2010/main" val="0"/>
-              </a:ext>
-            </a:extLst>
-          </a:blip>
-          <a:stretch>
-            <a:fillRect/>
-          </a:stretch>
-        </p:blipFill>
-        <p:spPr>
-          <a:xfrm>
-            <a:off x="709053" y="1437696"/>
-            <a:ext cx="466725" cy="409575"/>
-          </a:xfrm>
-          <a:prstGeom prst="rect">
-            <a:avLst/>
-          </a:prstGeom>
-        </p:spPr>
-      </p:pic>
-      <p:pic>
-        <p:nvPicPr>
-          <p:cNvPr id="7" name="Google Shape;149;p5"/>
-          <p:cNvPicPr preferRelativeResize="0"/>
-          <p:nvPr/>
-        </p:nvPicPr>
-        <p:blipFill rotWithShape="1">
-          <a:blip r:embed="rId3">
-            <a:alphaModFix/>
-          </a:blip>
-          <a:srcRect/>
-          <a:stretch/>
-        </p:blipFill>
-        <p:spPr>
-          <a:xfrm>
-            <a:off x="804690" y="2535250"/>
-            <a:ext cx="3206517" cy="3182856"/>
-          </a:xfrm>
-          <a:prstGeom prst="rect">
-            <a:avLst/>
-          </a:prstGeom>
-          <a:noFill/>
-          <a:ln>
-            <a:noFill/>
-          </a:ln>
-        </p:spPr>
-      </p:pic>
-      <p:sp>
-        <p:nvSpPr>
-          <p:cNvPr id="8" name="Title 1"/>
-          <p:cNvSpPr txBox="1">
-            <a:spLocks/>
-          </p:cNvSpPr>
-          <p:nvPr/>
-        </p:nvSpPr>
-        <p:spPr>
-          <a:xfrm>
-            <a:off x="4261791" y="2490360"/>
-            <a:ext cx="4253559" cy="3227746"/>
-          </a:xfrm>
-          <a:prstGeom prst="rect">
-            <a:avLst/>
-          </a:prstGeom>
-        </p:spPr>
-        <p:txBody>
-          <a:bodyPr/>
-          <a:lstStyle>
-            <a:lvl1pPr algn="l" defTabSz="914400" rtl="0" eaLnBrk="1" latinLnBrk="0" hangingPunct="1">
-              <a:lnSpc>
-                <a:spcPct val="90000"/>
-              </a:lnSpc>
-              <a:spcBef>
-                <a:spcPct val="0"/>
-              </a:spcBef>
-              <a:buNone/>
-              <a:defRPr sz="3200" b="1" kern="1200">
-                <a:solidFill>
-                  <a:srgbClr val="019DD0"/>
-                </a:solidFill>
-                <a:latin typeface="Arial" panose="020B0604020202020204" pitchFamily="34" charset="0"/>
-                <a:ea typeface="+mj-ea"/>
-                <a:cs typeface="Arial" panose="020B0604020202020204" pitchFamily="34" charset="0"/>
-              </a:defRPr>
-            </a:lvl1pPr>
-          </a:lstStyle>
-          <a:p>
-            <a:pPr marL="342900" indent="-342900">
-              <a:lnSpc>
-                <a:spcPct val="100000"/>
-              </a:lnSpc>
-              <a:buFont typeface="Arial" panose="020B0604020202020204" pitchFamily="34" charset="0"/>
-              <a:buChar char="•"/>
-            </a:pPr>
-            <a:r>
-              <a:rPr lang="en-US" sz="2400" b="0" dirty="0">
-                <a:solidFill>
-                  <a:schemeClr val="tx1">
-                    <a:lumMod val="95000"/>
-                    <a:lumOff val="5000"/>
-                  </a:schemeClr>
-                </a:solidFill>
-                <a:ea typeface="Roboto Condensed" pitchFamily="2" charset="0"/>
-              </a:rPr>
-              <a:t>Cầm micro:bit cẩn thận ở các </a:t>
-            </a:r>
-            <a:r>
-              <a:rPr lang="en-US" sz="2400" b="0" dirty="0" smtClean="0">
-                <a:solidFill>
-                  <a:schemeClr val="tx1">
-                    <a:lumMod val="95000"/>
-                    <a:lumOff val="5000"/>
-                  </a:schemeClr>
-                </a:solidFill>
-                <a:ea typeface="Roboto Condensed" pitchFamily="2" charset="0"/>
-              </a:rPr>
-              <a:t>cạnh</a:t>
-            </a:r>
-            <a:br>
-              <a:rPr lang="en-US" sz="2400" b="0" dirty="0" smtClean="0">
-                <a:solidFill>
-                  <a:schemeClr val="tx1">
-                    <a:lumMod val="95000"/>
-                    <a:lumOff val="5000"/>
-                  </a:schemeClr>
-                </a:solidFill>
-                <a:ea typeface="Roboto Condensed" pitchFamily="2" charset="0"/>
-              </a:rPr>
-            </a:br>
-            <a:endParaRPr lang="en-US" sz="2400" b="0" dirty="0" smtClean="0">
-              <a:solidFill>
-                <a:schemeClr val="tx1">
-                  <a:lumMod val="95000"/>
-                  <a:lumOff val="5000"/>
-                </a:schemeClr>
-              </a:solidFill>
-              <a:ea typeface="Roboto Condensed" pitchFamily="2" charset="0"/>
-            </a:endParaRPr>
-          </a:p>
-          <a:p>
-            <a:pPr marL="342900" indent="-342900">
-              <a:lnSpc>
-                <a:spcPct val="100000"/>
-              </a:lnSpc>
-              <a:buFont typeface="Arial" panose="020B0604020202020204" pitchFamily="34" charset="0"/>
-              <a:buChar char="•"/>
-            </a:pPr>
-            <a:r>
-              <a:rPr lang="en-US" sz="2400" b="0" dirty="0" smtClean="0">
-                <a:solidFill>
-                  <a:schemeClr val="tx1">
-                    <a:lumMod val="95000"/>
-                    <a:lumOff val="5000"/>
-                  </a:schemeClr>
-                </a:solidFill>
-                <a:ea typeface="Roboto Condensed" pitchFamily="2" charset="0"/>
-              </a:rPr>
-              <a:t>Tránh chạm vào các bộ phận</a:t>
-            </a:r>
-            <a:br>
-              <a:rPr lang="en-US" sz="2400" b="0" dirty="0" smtClean="0">
-                <a:solidFill>
-                  <a:schemeClr val="tx1">
-                    <a:lumMod val="95000"/>
-                    <a:lumOff val="5000"/>
-                  </a:schemeClr>
-                </a:solidFill>
-                <a:ea typeface="Roboto Condensed" pitchFamily="2" charset="0"/>
-              </a:rPr>
-            </a:br>
-            <a:endParaRPr lang="en-US" sz="2400" b="0" dirty="0" smtClean="0">
-              <a:solidFill>
-                <a:schemeClr val="tx1">
-                  <a:lumMod val="95000"/>
-                  <a:lumOff val="5000"/>
-                </a:schemeClr>
-              </a:solidFill>
-              <a:ea typeface="Roboto Condensed" pitchFamily="2" charset="0"/>
-            </a:endParaRPr>
-          </a:p>
-          <a:p>
-            <a:pPr marL="342900" indent="-342900">
-              <a:lnSpc>
-                <a:spcPct val="100000"/>
-              </a:lnSpc>
-              <a:buFont typeface="Arial" panose="020B0604020202020204" pitchFamily="34" charset="0"/>
-              <a:buChar char="•"/>
-            </a:pPr>
-            <a:r>
-              <a:rPr lang="en-US" sz="2400" b="0" dirty="0" smtClean="0">
-                <a:solidFill>
-                  <a:schemeClr val="tx1">
-                    <a:lumMod val="95000"/>
-                    <a:lumOff val="5000"/>
-                  </a:schemeClr>
-                </a:solidFill>
-                <a:ea typeface="Roboto Condensed" pitchFamily="2" charset="0"/>
-              </a:rPr>
-              <a:t>Tránh xa micro:bit khỏi nước</a:t>
-            </a:r>
-          </a:p>
-        </p:txBody>
-      </p:sp>
-      <p:sp>
-        <p:nvSpPr>
-          <p:cNvPr id="11" name="Rectangle 10"/>
+          <p:cNvPr id="3" name="Rectangle 2"/>
           <p:cNvSpPr/>
           <p:nvPr/>
         </p:nvSpPr>
@@ -3118,14 +3415,14 @@
       </p:sp>
       <p:sp>
         <p:nvSpPr>
-          <p:cNvPr id="12" name="TextBox 11"/>
+          <p:cNvPr id="4" name="TextBox 3"/>
           <p:cNvSpPr txBox="1"/>
           <p:nvPr/>
         </p:nvSpPr>
         <p:spPr>
           <a:xfrm>
-            <a:off x="207035" y="546584"/>
-            <a:ext cx="8194843" cy="461665"/>
+            <a:off x="248815" y="546584"/>
+            <a:ext cx="7374995" cy="461665"/>
           </a:xfrm>
           <a:prstGeom prst="rect">
             <a:avLst/>
@@ -3146,27 +3443,7 @@
                 <a:latin typeface="UTM Helve" panose="02040603050506020204" pitchFamily="18" charset="0"/>
                 <a:ea typeface="Roboto" pitchFamily="2" charset="0"/>
               </a:rPr>
-              <a:t>6.2 </a:t>
-            </a:r>
-            <a:r>
-              <a:rPr lang="en-US" sz="2400" b="1" dirty="0">
-                <a:solidFill>
-                  <a:srgbClr val="64C7E9"/>
-                </a:solidFill>
-                <a:latin typeface="UTM Helve" panose="02040603050506020204" pitchFamily="18" charset="0"/>
-                <a:ea typeface="Roboto" pitchFamily="2" charset="0"/>
-              </a:rPr>
-              <a:t>Sử dụng </a:t>
-            </a:r>
-            <a:r>
-              <a:rPr lang="en-US" sz="2400" b="1" dirty="0" smtClean="0">
-                <a:solidFill>
-                  <a:srgbClr val="64C7E9"/>
-                </a:solidFill>
-                <a:latin typeface="UTM Helve" panose="02040603050506020204" pitchFamily="18" charset="0"/>
-                <a:ea typeface="Roboto" pitchFamily="2" charset="0"/>
-              </a:rPr>
-              <a:t>âm thanh với micro:bit</a:t>
+              <a:t>6.3 Hoạt động học viên</a:t>
             </a:r>
             <a:endParaRPr lang="en-US" sz="2400" b="1" dirty="0">
               <a:solidFill>
@@ -3178,10 +3455,548 @@
           </a:p>
         </p:txBody>
       </p:sp>
+      <p:sp>
+        <p:nvSpPr>
+          <p:cNvPr id="5" name="TextBox 4"/>
+          <p:cNvSpPr txBox="1"/>
+          <p:nvPr/>
+        </p:nvSpPr>
+        <p:spPr>
+          <a:xfrm>
+            <a:off x="1236140" y="1257796"/>
+            <a:ext cx="6387670" cy="461665"/>
+          </a:xfrm>
+          <a:prstGeom prst="rect">
+            <a:avLst/>
+          </a:prstGeom>
+          <a:noFill/>
+        </p:spPr>
+        <p:txBody>
+          <a:bodyPr wrap="square" rtlCol="0">
+            <a:spAutoFit/>
+          </a:bodyPr>
+          <a:lstStyle/>
+          <a:p>
+            <a:r>
+              <a:rPr lang="en-US" sz="2400" b="1" dirty="0">
+                <a:solidFill>
+                  <a:schemeClr val="tx1">
+                    <a:lumMod val="85000"/>
+                    <a:lumOff val="15000"/>
+                  </a:schemeClr>
+                </a:solidFill>
+                <a:latin typeface="UTM Helve" panose="02040603050506020204" pitchFamily="18" charset="0"/>
+                <a:ea typeface="Roboto" pitchFamily="2" charset="0"/>
+              </a:rPr>
+              <a:t>Countdown - Chúc Mừng Năm Mới</a:t>
+            </a:r>
+          </a:p>
+        </p:txBody>
+      </p:sp>
+      <p:pic>
+        <p:nvPicPr>
+          <p:cNvPr id="6" name="Picture 5"/>
+          <p:cNvPicPr>
+            <a:picLocks noChangeAspect="1"/>
+          </p:cNvPicPr>
+          <p:nvPr/>
+        </p:nvPicPr>
+        <p:blipFill>
+          <a:blip r:embed="rId3">
+            <a:extLst>
+              <a:ext uri="{28A0092B-C50C-407E-A947-70E740481C1C}">
+                <a14:useLocalDpi xmlns:a14="http://schemas.microsoft.com/office/drawing/2010/main" val="0"/>
+              </a:ext>
+            </a:extLst>
+          </a:blip>
+          <a:stretch>
+            <a:fillRect/>
+          </a:stretch>
+        </p:blipFill>
+        <p:spPr>
+          <a:xfrm>
+            <a:off x="679888" y="1330753"/>
+            <a:ext cx="466725" cy="409575"/>
+          </a:xfrm>
+          <a:prstGeom prst="rect">
+            <a:avLst/>
+          </a:prstGeom>
+        </p:spPr>
+      </p:pic>
+      <p:sp>
+        <p:nvSpPr>
+          <p:cNvPr id="8" name="TextBox 7"/>
+          <p:cNvSpPr txBox="1"/>
+          <p:nvPr/>
+        </p:nvSpPr>
+        <p:spPr>
+          <a:xfrm>
+            <a:off x="582272" y="1844460"/>
+            <a:ext cx="7894269" cy="707886"/>
+          </a:xfrm>
+          <a:prstGeom prst="rect">
+            <a:avLst/>
+          </a:prstGeom>
+          <a:noFill/>
+        </p:spPr>
+        <p:txBody>
+          <a:bodyPr wrap="square" rtlCol="0">
+            <a:spAutoFit/>
+          </a:bodyPr>
+          <a:lstStyle/>
+          <a:p>
+            <a:r>
+              <a:rPr lang="vi-VN" sz="2000" dirty="0"/>
+              <a:t>Tạo chương trình đếm ngược thời khắc chuyển giao năm mới từ </a:t>
+            </a:r>
+            <a:r>
+              <a:rPr lang="en-US" sz="2000" dirty="0" smtClean="0"/>
+              <a:t/>
+            </a:r>
+            <a:br>
+              <a:rPr lang="en-US" sz="2000" dirty="0" smtClean="0"/>
+            </a:br>
+            <a:r>
+              <a:rPr lang="vi-VN" sz="2000" dirty="0" smtClean="0"/>
+              <a:t>10 </a:t>
+            </a:r>
+            <a:r>
+              <a:rPr lang="vi-VN" sz="2000" dirty="0"/>
+              <a:t>- 1 với yêu cầu như sau:</a:t>
+            </a:r>
+            <a:endParaRPr lang="en-US" sz="2000" b="1" dirty="0">
+              <a:latin typeface="Arial" panose="020B0604020202020204" pitchFamily="34" charset="0"/>
+              <a:cs typeface="Arial" panose="020B0604020202020204" pitchFamily="34" charset="0"/>
+            </a:endParaRPr>
+          </a:p>
+        </p:txBody>
+      </p:sp>
+      <p:sp>
+        <p:nvSpPr>
+          <p:cNvPr id="13" name="TextBox 12"/>
+          <p:cNvSpPr txBox="1"/>
+          <p:nvPr/>
+        </p:nvSpPr>
+        <p:spPr>
+          <a:xfrm>
+            <a:off x="869831" y="2674516"/>
+            <a:ext cx="4775596" cy="707886"/>
+          </a:xfrm>
+          <a:prstGeom prst="rect">
+            <a:avLst/>
+          </a:prstGeom>
+          <a:noFill/>
+        </p:spPr>
+        <p:txBody>
+          <a:bodyPr wrap="square" rtlCol="0">
+            <a:spAutoFit/>
+          </a:bodyPr>
+          <a:lstStyle/>
+          <a:p>
+            <a:r>
+              <a:rPr lang="vi-VN" sz="2000" dirty="0">
+                <a:solidFill>
+                  <a:schemeClr val="tx1">
+                    <a:lumMod val="85000"/>
+                    <a:lumOff val="15000"/>
+                  </a:schemeClr>
+                </a:solidFill>
+                <a:ea typeface="Roboto" pitchFamily="2" charset="0"/>
+              </a:rPr>
+              <a:t>Nhấn phím A thì khởi động chương trình và phát âm thanh bật nguồn `power up`</a:t>
+            </a:r>
+            <a:endParaRPr lang="en-US" sz="2000" b="1" dirty="0">
+              <a:solidFill>
+                <a:schemeClr val="tx1">
+                  <a:lumMod val="85000"/>
+                  <a:lumOff val="15000"/>
+                </a:schemeClr>
+              </a:solidFill>
+              <a:ea typeface="Roboto" pitchFamily="2" charset="0"/>
+            </a:endParaRPr>
+          </a:p>
+        </p:txBody>
+      </p:sp>
+      <p:sp>
+        <p:nvSpPr>
+          <p:cNvPr id="14" name="Rectangle 13"/>
+          <p:cNvSpPr/>
+          <p:nvPr/>
+        </p:nvSpPr>
+        <p:spPr>
+          <a:xfrm>
+            <a:off x="686814" y="2802653"/>
+            <a:ext cx="168260" cy="168260"/>
+          </a:xfrm>
+          <a:prstGeom prst="rect">
+            <a:avLst/>
+          </a:prstGeom>
+          <a:solidFill>
+            <a:srgbClr val="64C7E9"/>
+          </a:solidFill>
+          <a:ln>
+            <a:noFill/>
+          </a:ln>
+        </p:spPr>
+        <p:style>
+          <a:lnRef idx="2">
+            <a:schemeClr val="accent1">
+              <a:shade val="50000"/>
+            </a:schemeClr>
+          </a:lnRef>
+          <a:fillRef idx="1">
+            <a:schemeClr val="accent1"/>
+          </a:fillRef>
+          <a:effectRef idx="0">
+            <a:schemeClr val="accent1"/>
+          </a:effectRef>
+          <a:fontRef idx="minor">
+            <a:schemeClr val="lt1"/>
+          </a:fontRef>
+        </p:style>
+        <p:txBody>
+          <a:bodyPr rtlCol="0" anchor="ctr"/>
+          <a:lstStyle/>
+          <a:p>
+            <a:pPr algn="ctr"/>
+            <a:endParaRPr lang="en-US"/>
+          </a:p>
+        </p:txBody>
+      </p:sp>
+      <p:sp>
+        <p:nvSpPr>
+          <p:cNvPr id="15" name="TextBox 14"/>
+          <p:cNvSpPr txBox="1"/>
+          <p:nvPr/>
+        </p:nvSpPr>
+        <p:spPr>
+          <a:xfrm>
+            <a:off x="869831" y="3443142"/>
+            <a:ext cx="4775596" cy="707886"/>
+          </a:xfrm>
+          <a:prstGeom prst="rect">
+            <a:avLst/>
+          </a:prstGeom>
+          <a:noFill/>
+        </p:spPr>
+        <p:txBody>
+          <a:bodyPr wrap="square" rtlCol="0">
+            <a:spAutoFit/>
+          </a:bodyPr>
+          <a:lstStyle/>
+          <a:p>
+            <a:r>
+              <a:rPr lang="vi-VN" sz="2000" dirty="0">
+                <a:solidFill>
+                  <a:schemeClr val="tx1">
+                    <a:lumMod val="85000"/>
+                    <a:lumOff val="15000"/>
+                  </a:schemeClr>
+                </a:solidFill>
+                <a:ea typeface="Roboto" pitchFamily="2" charset="0"/>
+              </a:rPr>
+              <a:t>Nhấn phím B thì tắt chương trình, phát âm thanh bật nguồn `power down`</a:t>
+            </a:r>
+            <a:endParaRPr lang="en-US" sz="2000" b="1" dirty="0">
+              <a:solidFill>
+                <a:schemeClr val="tx1">
+                  <a:lumMod val="85000"/>
+                  <a:lumOff val="15000"/>
+                </a:schemeClr>
+              </a:solidFill>
+              <a:ea typeface="Roboto" pitchFamily="2" charset="0"/>
+            </a:endParaRPr>
+          </a:p>
+        </p:txBody>
+      </p:sp>
+      <p:sp>
+        <p:nvSpPr>
+          <p:cNvPr id="16" name="Rectangle 15"/>
+          <p:cNvSpPr/>
+          <p:nvPr/>
+        </p:nvSpPr>
+        <p:spPr>
+          <a:xfrm>
+            <a:off x="686814" y="3571279"/>
+            <a:ext cx="168260" cy="168260"/>
+          </a:xfrm>
+          <a:prstGeom prst="rect">
+            <a:avLst/>
+          </a:prstGeom>
+          <a:solidFill>
+            <a:srgbClr val="64C7E9"/>
+          </a:solidFill>
+          <a:ln>
+            <a:noFill/>
+          </a:ln>
+        </p:spPr>
+        <p:style>
+          <a:lnRef idx="2">
+            <a:schemeClr val="accent1">
+              <a:shade val="50000"/>
+            </a:schemeClr>
+          </a:lnRef>
+          <a:fillRef idx="1">
+            <a:schemeClr val="accent1"/>
+          </a:fillRef>
+          <a:effectRef idx="0">
+            <a:schemeClr val="accent1"/>
+          </a:effectRef>
+          <a:fontRef idx="minor">
+            <a:schemeClr val="lt1"/>
+          </a:fontRef>
+        </p:style>
+        <p:txBody>
+          <a:bodyPr rtlCol="0" anchor="ctr"/>
+          <a:lstStyle/>
+          <a:p>
+            <a:pPr algn="ctr"/>
+            <a:endParaRPr lang="en-US"/>
+          </a:p>
+        </p:txBody>
+      </p:sp>
+      <p:sp>
+        <p:nvSpPr>
+          <p:cNvPr id="17" name="TextBox 16"/>
+          <p:cNvSpPr txBox="1"/>
+          <p:nvPr/>
+        </p:nvSpPr>
+        <p:spPr>
+          <a:xfrm>
+            <a:off x="869831" y="4145507"/>
+            <a:ext cx="4775596" cy="1323439"/>
+          </a:xfrm>
+          <a:prstGeom prst="rect">
+            <a:avLst/>
+          </a:prstGeom>
+          <a:noFill/>
+        </p:spPr>
+        <p:txBody>
+          <a:bodyPr wrap="square" rtlCol="0">
+            <a:spAutoFit/>
+          </a:bodyPr>
+          <a:lstStyle/>
+          <a:p>
+            <a:r>
+              <a:rPr lang="vi-VN" sz="2000" dirty="0">
+                <a:solidFill>
+                  <a:schemeClr val="tx1">
+                    <a:lumMod val="85000"/>
+                    <a:lumOff val="15000"/>
+                  </a:schemeClr>
+                </a:solidFill>
+                <a:ea typeface="Roboto" pitchFamily="2" charset="0"/>
+              </a:rPr>
+              <a:t>Chạm vào Logo thì bắt đầu chương trình đếm ngược. Mỗi giây </a:t>
+            </a:r>
+            <a:r>
+              <a:rPr lang="vi-VN" sz="2000" dirty="0" smtClean="0">
+                <a:solidFill>
+                  <a:schemeClr val="tx1">
+                    <a:lumMod val="85000"/>
+                    <a:lumOff val="15000"/>
+                  </a:schemeClr>
+                </a:solidFill>
+                <a:ea typeface="Roboto" pitchFamily="2" charset="0"/>
+              </a:rPr>
+              <a:t>hiển </a:t>
+            </a:r>
+            <a:r>
+              <a:rPr lang="vi-VN" sz="2000" dirty="0">
+                <a:solidFill>
+                  <a:schemeClr val="tx1">
+                    <a:lumMod val="85000"/>
+                    <a:lumOff val="15000"/>
+                  </a:schemeClr>
+                </a:solidFill>
+                <a:ea typeface="Roboto" pitchFamily="2" charset="0"/>
+              </a:rPr>
+              <a:t>thị số ra màn hình LED, đồng thời phát âm thamh middle G.</a:t>
+            </a:r>
+            <a:endParaRPr lang="en-US" sz="2000" b="1" dirty="0">
+              <a:solidFill>
+                <a:schemeClr val="tx1">
+                  <a:lumMod val="85000"/>
+                  <a:lumOff val="15000"/>
+                </a:schemeClr>
+              </a:solidFill>
+              <a:ea typeface="Roboto" pitchFamily="2" charset="0"/>
+            </a:endParaRPr>
+          </a:p>
+        </p:txBody>
+      </p:sp>
+      <p:sp>
+        <p:nvSpPr>
+          <p:cNvPr id="18" name="Rectangle 17"/>
+          <p:cNvSpPr/>
+          <p:nvPr/>
+        </p:nvSpPr>
+        <p:spPr>
+          <a:xfrm>
+            <a:off x="686814" y="4273644"/>
+            <a:ext cx="168260" cy="168260"/>
+          </a:xfrm>
+          <a:prstGeom prst="rect">
+            <a:avLst/>
+          </a:prstGeom>
+          <a:solidFill>
+            <a:srgbClr val="64C7E9"/>
+          </a:solidFill>
+          <a:ln>
+            <a:noFill/>
+          </a:ln>
+        </p:spPr>
+        <p:style>
+          <a:lnRef idx="2">
+            <a:schemeClr val="accent1">
+              <a:shade val="50000"/>
+            </a:schemeClr>
+          </a:lnRef>
+          <a:fillRef idx="1">
+            <a:schemeClr val="accent1"/>
+          </a:fillRef>
+          <a:effectRef idx="0">
+            <a:schemeClr val="accent1"/>
+          </a:effectRef>
+          <a:fontRef idx="minor">
+            <a:schemeClr val="lt1"/>
+          </a:fontRef>
+        </p:style>
+        <p:txBody>
+          <a:bodyPr rtlCol="0" anchor="ctr"/>
+          <a:lstStyle/>
+          <a:p>
+            <a:pPr algn="ctr"/>
+            <a:endParaRPr lang="en-US"/>
+          </a:p>
+        </p:txBody>
+      </p:sp>
+      <p:sp>
+        <p:nvSpPr>
+          <p:cNvPr id="19" name="TextBox 18"/>
+          <p:cNvSpPr txBox="1"/>
+          <p:nvPr/>
+        </p:nvSpPr>
+        <p:spPr>
+          <a:xfrm>
+            <a:off x="869831" y="5483976"/>
+            <a:ext cx="4775596" cy="1015663"/>
+          </a:xfrm>
+          <a:prstGeom prst="rect">
+            <a:avLst/>
+          </a:prstGeom>
+          <a:noFill/>
+        </p:spPr>
+        <p:txBody>
+          <a:bodyPr wrap="square" rtlCol="0">
+            <a:spAutoFit/>
+          </a:bodyPr>
+          <a:lstStyle/>
+          <a:p>
+            <a:r>
+              <a:rPr lang="vi-VN" sz="2000" dirty="0">
+                <a:solidFill>
+                  <a:schemeClr val="tx1">
+                    <a:lumMod val="85000"/>
+                    <a:lumOff val="15000"/>
+                  </a:schemeClr>
+                </a:solidFill>
+                <a:ea typeface="Roboto" pitchFamily="2" charset="0"/>
+              </a:rPr>
+              <a:t>Đếm đến 0 thì phát âm thanh `happy`, đồng thời cho LED trình diễn animations pháo hoa liên tục cho đến tắt thì thôi</a:t>
+            </a:r>
+            <a:endParaRPr lang="en-US" sz="2000" b="1" dirty="0">
+              <a:solidFill>
+                <a:schemeClr val="tx1">
+                  <a:lumMod val="85000"/>
+                  <a:lumOff val="15000"/>
+                </a:schemeClr>
+              </a:solidFill>
+              <a:ea typeface="Roboto" pitchFamily="2" charset="0"/>
+            </a:endParaRPr>
+          </a:p>
+        </p:txBody>
+      </p:sp>
+      <p:sp>
+        <p:nvSpPr>
+          <p:cNvPr id="20" name="Rectangle 19"/>
+          <p:cNvSpPr/>
+          <p:nvPr/>
+        </p:nvSpPr>
+        <p:spPr>
+          <a:xfrm>
+            <a:off x="686814" y="5612113"/>
+            <a:ext cx="168260" cy="168260"/>
+          </a:xfrm>
+          <a:prstGeom prst="rect">
+            <a:avLst/>
+          </a:prstGeom>
+          <a:solidFill>
+            <a:srgbClr val="64C7E9"/>
+          </a:solidFill>
+          <a:ln>
+            <a:noFill/>
+          </a:ln>
+        </p:spPr>
+        <p:style>
+          <a:lnRef idx="2">
+            <a:schemeClr val="accent1">
+              <a:shade val="50000"/>
+            </a:schemeClr>
+          </a:lnRef>
+          <a:fillRef idx="1">
+            <a:schemeClr val="accent1"/>
+          </a:fillRef>
+          <a:effectRef idx="0">
+            <a:schemeClr val="accent1"/>
+          </a:effectRef>
+          <a:fontRef idx="minor">
+            <a:schemeClr val="lt1"/>
+          </a:fontRef>
+        </p:style>
+        <p:txBody>
+          <a:bodyPr rtlCol="0" anchor="ctr"/>
+          <a:lstStyle/>
+          <a:p>
+            <a:pPr algn="ctr"/>
+            <a:endParaRPr lang="en-US"/>
+          </a:p>
+        </p:txBody>
+      </p:sp>
+      <p:pic>
+        <p:nvPicPr>
+          <p:cNvPr id="21" name="Picture 20"/>
+          <p:cNvPicPr>
+            <a:picLocks noChangeAspect="1"/>
+          </p:cNvPicPr>
+          <p:nvPr/>
+        </p:nvPicPr>
+        <p:blipFill>
+          <a:blip r:embed="rId4">
+            <a:extLst>
+              <a:ext uri="{28A0092B-C50C-407E-A947-70E740481C1C}">
+                <a14:useLocalDpi xmlns:a14="http://schemas.microsoft.com/office/drawing/2010/main" val="0"/>
+              </a:ext>
+            </a:extLst>
+          </a:blip>
+          <a:stretch>
+            <a:fillRect/>
+          </a:stretch>
+        </p:blipFill>
+        <p:spPr>
+          <a:xfrm>
+            <a:off x="5477434" y="3443142"/>
+            <a:ext cx="3666565" cy="3199078"/>
+          </a:xfrm>
+          <a:prstGeom prst="rect">
+            <a:avLst/>
+          </a:prstGeom>
+        </p:spPr>
+      </p:pic>
     </p:spTree>
     <p:extLst>
       <p:ext uri="{BB962C8B-B14F-4D97-AF65-F5344CB8AC3E}">
-        <p14:creationId xmlns:p14="http://schemas.microsoft.com/office/powerpoint/2010/main" val="2152185348"/>
+        <p14:creationId xmlns:p14="http://schemas.microsoft.com/office/powerpoint/2010/main" val="269450690"/>
       </p:ext>
     </p:extLst>
   </p:cSld>
@@ -3324,1765 +4139,7 @@
                 <a:latin typeface="UTM Helve" panose="02040603050506020204" pitchFamily="18" charset="0"/>
                 <a:ea typeface="Roboto" pitchFamily="2" charset="0"/>
               </a:rPr>
-              <a:t>6.3 </a:t>
-            </a:r>
-            <a:r>
-              <a:rPr lang="en-US" sz="2400" b="1" dirty="0" smtClean="0">
-                <a:solidFill>
-                  <a:srgbClr val="64C7E9"/>
-                </a:solidFill>
-                <a:latin typeface="UTM Helve" panose="02040603050506020204" pitchFamily="18" charset="0"/>
-                <a:ea typeface="Roboto" pitchFamily="2" charset="0"/>
-              </a:rPr>
-              <a:t>Hoạt động học viên</a:t>
-            </a:r>
-            <a:endParaRPr lang="en-US" sz="2400" b="1" dirty="0">
-              <a:solidFill>
-                <a:srgbClr val="64C7E9"/>
-              </a:solidFill>
-              <a:latin typeface="UTM Helve" panose="02040603050506020204" pitchFamily="18" charset="0"/>
-              <a:ea typeface="Roboto" pitchFamily="2" charset="0"/>
-            </a:endParaRPr>
-          </a:p>
-        </p:txBody>
-      </p:sp>
-      <p:sp>
-        <p:nvSpPr>
-          <p:cNvPr id="8" name="TextBox 7"/>
-          <p:cNvSpPr txBox="1"/>
-          <p:nvPr/>
-        </p:nvSpPr>
-        <p:spPr>
-          <a:xfrm>
-            <a:off x="1236140" y="1389829"/>
-            <a:ext cx="4482860" cy="461665"/>
-          </a:xfrm>
-          <a:prstGeom prst="rect">
-            <a:avLst/>
-          </a:prstGeom>
-          <a:noFill/>
-        </p:spPr>
-        <p:txBody>
-          <a:bodyPr wrap="square" rtlCol="0">
-            <a:spAutoFit/>
-          </a:bodyPr>
-          <a:lstStyle/>
-          <a:p>
-            <a:r>
-              <a:rPr lang="en-US" sz="2400" b="1" dirty="0">
-                <a:solidFill>
-                  <a:schemeClr val="tx1">
-                    <a:lumMod val="85000"/>
-                    <a:lumOff val="15000"/>
-                  </a:schemeClr>
-                </a:solidFill>
-                <a:latin typeface="UTM Helve" panose="02040603050506020204" pitchFamily="18" charset="0"/>
-                <a:ea typeface="Roboto" pitchFamily="2" charset="0"/>
-              </a:rPr>
-              <a:t>Giai điệu </a:t>
-            </a:r>
-            <a:r>
-              <a:rPr lang="en-US" sz="2400" b="1" dirty="0" smtClean="0">
-                <a:solidFill>
-                  <a:schemeClr val="tx1">
-                    <a:lumMod val="85000"/>
-                    <a:lumOff val="15000"/>
-                  </a:schemeClr>
-                </a:solidFill>
-                <a:latin typeface="UTM Helve" panose="02040603050506020204" pitchFamily="18" charset="0"/>
-                <a:ea typeface="Roboto" pitchFamily="2" charset="0"/>
-              </a:rPr>
-              <a:t>yêu </a:t>
-            </a:r>
-            <a:r>
-              <a:rPr lang="en-US" sz="2400" b="1" dirty="0">
-                <a:solidFill>
-                  <a:schemeClr val="tx1">
-                    <a:lumMod val="85000"/>
-                    <a:lumOff val="15000"/>
-                  </a:schemeClr>
-                </a:solidFill>
-                <a:latin typeface="UTM Helve" panose="02040603050506020204" pitchFamily="18" charset="0"/>
-                <a:ea typeface="Roboto" pitchFamily="2" charset="0"/>
-              </a:rPr>
-              <a:t>thích</a:t>
-            </a:r>
-          </a:p>
-        </p:txBody>
-      </p:sp>
-      <p:pic>
-        <p:nvPicPr>
-          <p:cNvPr id="9" name="Picture 8"/>
-          <p:cNvPicPr>
-            <a:picLocks noChangeAspect="1"/>
-          </p:cNvPicPr>
-          <p:nvPr/>
-        </p:nvPicPr>
-        <p:blipFill>
-          <a:blip r:embed="rId2">
-            <a:extLst>
-              <a:ext uri="{28A0092B-C50C-407E-A947-70E740481C1C}">
-                <a14:useLocalDpi xmlns:a14="http://schemas.microsoft.com/office/drawing/2010/main" val="0"/>
-              </a:ext>
-            </a:extLst>
-          </a:blip>
-          <a:stretch>
-            <a:fillRect/>
-          </a:stretch>
-        </p:blipFill>
-        <p:spPr>
-          <a:xfrm>
-            <a:off x="679888" y="1462786"/>
-            <a:ext cx="466725" cy="409575"/>
-          </a:xfrm>
-          <a:prstGeom prst="rect">
-            <a:avLst/>
-          </a:prstGeom>
-        </p:spPr>
-      </p:pic>
-      <p:sp>
-        <p:nvSpPr>
-          <p:cNvPr id="10" name="TextBox 9"/>
-          <p:cNvSpPr txBox="1"/>
-          <p:nvPr/>
-        </p:nvSpPr>
-        <p:spPr>
-          <a:xfrm>
-            <a:off x="484565" y="2048024"/>
-            <a:ext cx="6682908" cy="400110"/>
-          </a:xfrm>
-          <a:prstGeom prst="rect">
-            <a:avLst/>
-          </a:prstGeom>
-          <a:noFill/>
-        </p:spPr>
-        <p:txBody>
-          <a:bodyPr wrap="square" rtlCol="0">
-            <a:spAutoFit/>
-          </a:bodyPr>
-          <a:lstStyle/>
-          <a:p>
-            <a:r>
-              <a:rPr lang="vi-VN" sz="2000" dirty="0">
-                <a:solidFill>
-                  <a:schemeClr val="tx1">
-                    <a:lumMod val="85000"/>
-                    <a:lumOff val="15000"/>
-                  </a:schemeClr>
-                </a:solidFill>
-                <a:ea typeface="Roboto" pitchFamily="2" charset="0"/>
-              </a:rPr>
-              <a:t>Tạo chương trình chơi </a:t>
-            </a:r>
-            <a:r>
-              <a:rPr lang="vi-VN" sz="2000" b="1" dirty="0">
-                <a:solidFill>
-                  <a:schemeClr val="tx1">
-                    <a:lumMod val="85000"/>
-                    <a:lumOff val="15000"/>
-                  </a:schemeClr>
-                </a:solidFill>
-                <a:ea typeface="Roboto" pitchFamily="2" charset="0"/>
-              </a:rPr>
-              <a:t>5 giai điệu có sẵn </a:t>
-            </a:r>
-            <a:r>
-              <a:rPr lang="vi-VN" sz="2000" dirty="0">
-                <a:solidFill>
-                  <a:schemeClr val="tx1">
-                    <a:lumMod val="85000"/>
-                    <a:lumOff val="15000"/>
-                  </a:schemeClr>
-                </a:solidFill>
-                <a:ea typeface="Roboto" pitchFamily="2" charset="0"/>
-              </a:rPr>
-              <a:t>mà bạn thích.</a:t>
-            </a:r>
-            <a:endParaRPr lang="en-US" sz="2000" dirty="0">
-              <a:solidFill>
-                <a:schemeClr val="tx1">
-                  <a:lumMod val="85000"/>
-                  <a:lumOff val="15000"/>
-                </a:schemeClr>
-              </a:solidFill>
-              <a:ea typeface="Roboto" pitchFamily="2" charset="0"/>
-            </a:endParaRPr>
-          </a:p>
-        </p:txBody>
-      </p:sp>
-      <p:sp>
-        <p:nvSpPr>
-          <p:cNvPr id="12" name="TextBox 11"/>
-          <p:cNvSpPr txBox="1"/>
-          <p:nvPr/>
-        </p:nvSpPr>
-        <p:spPr>
-          <a:xfrm>
-            <a:off x="733842" y="2701020"/>
-            <a:ext cx="4023690" cy="400110"/>
-          </a:xfrm>
-          <a:prstGeom prst="rect">
-            <a:avLst/>
-          </a:prstGeom>
-          <a:noFill/>
-        </p:spPr>
-        <p:txBody>
-          <a:bodyPr wrap="square" rtlCol="0">
-            <a:spAutoFit/>
-          </a:bodyPr>
-          <a:lstStyle/>
-          <a:p>
-            <a:r>
-              <a:rPr lang="en-US" sz="2000" dirty="0">
-                <a:solidFill>
-                  <a:schemeClr val="tx1">
-                    <a:lumMod val="85000"/>
-                    <a:lumOff val="15000"/>
-                  </a:schemeClr>
-                </a:solidFill>
-                <a:ea typeface="Roboto" pitchFamily="2" charset="0"/>
-              </a:rPr>
-              <a:t>Nhấn Button A thì chạy giai điệu 1</a:t>
-            </a:r>
-            <a:endParaRPr lang="en-US" sz="2000" b="1" dirty="0">
-              <a:solidFill>
-                <a:schemeClr val="tx1">
-                  <a:lumMod val="85000"/>
-                  <a:lumOff val="15000"/>
-                </a:schemeClr>
-              </a:solidFill>
-              <a:ea typeface="Roboto" pitchFamily="2" charset="0"/>
-            </a:endParaRPr>
-          </a:p>
-        </p:txBody>
-      </p:sp>
-      <p:sp>
-        <p:nvSpPr>
-          <p:cNvPr id="18" name="Rectangle 17"/>
-          <p:cNvSpPr/>
-          <p:nvPr/>
-        </p:nvSpPr>
-        <p:spPr>
-          <a:xfrm>
-            <a:off x="484565" y="2802653"/>
-            <a:ext cx="168260" cy="168260"/>
-          </a:xfrm>
-          <a:prstGeom prst="rect">
-            <a:avLst/>
-          </a:prstGeom>
-          <a:solidFill>
-            <a:srgbClr val="64C7E9"/>
-          </a:solidFill>
-          <a:ln>
-            <a:noFill/>
-          </a:ln>
-        </p:spPr>
-        <p:style>
-          <a:lnRef idx="2">
-            <a:schemeClr val="accent1">
-              <a:shade val="50000"/>
-            </a:schemeClr>
-          </a:lnRef>
-          <a:fillRef idx="1">
-            <a:schemeClr val="accent1"/>
-          </a:fillRef>
-          <a:effectRef idx="0">
-            <a:schemeClr val="accent1"/>
-          </a:effectRef>
-          <a:fontRef idx="minor">
-            <a:schemeClr val="lt1"/>
-          </a:fontRef>
-        </p:style>
-        <p:txBody>
-          <a:bodyPr rtlCol="0" anchor="ctr"/>
-          <a:lstStyle/>
-          <a:p>
-            <a:pPr algn="ctr"/>
-            <a:endParaRPr lang="en-US"/>
-          </a:p>
-        </p:txBody>
-      </p:sp>
-      <p:sp>
-        <p:nvSpPr>
-          <p:cNvPr id="19" name="TextBox 18"/>
-          <p:cNvSpPr txBox="1"/>
-          <p:nvPr/>
-        </p:nvSpPr>
-        <p:spPr>
-          <a:xfrm>
-            <a:off x="733842" y="3244359"/>
-            <a:ext cx="4023690" cy="400110"/>
-          </a:xfrm>
-          <a:prstGeom prst="rect">
-            <a:avLst/>
-          </a:prstGeom>
-          <a:noFill/>
-        </p:spPr>
-        <p:txBody>
-          <a:bodyPr wrap="square" rtlCol="0">
-            <a:spAutoFit/>
-          </a:bodyPr>
-          <a:lstStyle/>
-          <a:p>
-            <a:r>
-              <a:rPr lang="en-US" sz="2000" dirty="0">
-                <a:solidFill>
-                  <a:schemeClr val="tx1">
-                    <a:lumMod val="85000"/>
-                    <a:lumOff val="15000"/>
-                  </a:schemeClr>
-                </a:solidFill>
-                <a:ea typeface="Roboto" pitchFamily="2" charset="0"/>
-              </a:rPr>
-              <a:t>Nhấn Button B</a:t>
-            </a:r>
-            <a:r>
-              <a:rPr lang="en-US" sz="2000" dirty="0" smtClean="0">
-                <a:solidFill>
-                  <a:schemeClr val="tx1">
-                    <a:lumMod val="85000"/>
-                    <a:lumOff val="15000"/>
-                  </a:schemeClr>
-                </a:solidFill>
-                <a:ea typeface="Roboto" pitchFamily="2" charset="0"/>
-              </a:rPr>
-              <a:t> </a:t>
-            </a:r>
-            <a:r>
-              <a:rPr lang="en-US" sz="2000" dirty="0">
-                <a:solidFill>
-                  <a:schemeClr val="tx1">
-                    <a:lumMod val="85000"/>
-                    <a:lumOff val="15000"/>
-                  </a:schemeClr>
-                </a:solidFill>
-                <a:ea typeface="Roboto" pitchFamily="2" charset="0"/>
-              </a:rPr>
-              <a:t>thì chạy giai điệu </a:t>
-            </a:r>
-            <a:r>
-              <a:rPr lang="en-US" sz="2000" dirty="0" smtClean="0">
-                <a:solidFill>
-                  <a:schemeClr val="tx1">
-                    <a:lumMod val="85000"/>
-                    <a:lumOff val="15000"/>
-                  </a:schemeClr>
-                </a:solidFill>
-                <a:ea typeface="Roboto" pitchFamily="2" charset="0"/>
-              </a:rPr>
-              <a:t>2</a:t>
-            </a:r>
-            <a:endParaRPr lang="en-US" sz="2000" b="1" dirty="0">
-              <a:solidFill>
-                <a:schemeClr val="tx1">
-                  <a:lumMod val="85000"/>
-                  <a:lumOff val="15000"/>
-                </a:schemeClr>
-              </a:solidFill>
-              <a:ea typeface="Roboto" pitchFamily="2" charset="0"/>
-            </a:endParaRPr>
-          </a:p>
-        </p:txBody>
-      </p:sp>
-      <p:sp>
-        <p:nvSpPr>
-          <p:cNvPr id="20" name="Rectangle 19"/>
-          <p:cNvSpPr/>
-          <p:nvPr/>
-        </p:nvSpPr>
-        <p:spPr>
-          <a:xfrm>
-            <a:off x="484565" y="3345992"/>
-            <a:ext cx="168260" cy="168260"/>
-          </a:xfrm>
-          <a:prstGeom prst="rect">
-            <a:avLst/>
-          </a:prstGeom>
-          <a:solidFill>
-            <a:srgbClr val="64C7E9"/>
-          </a:solidFill>
-          <a:ln>
-            <a:noFill/>
-          </a:ln>
-        </p:spPr>
-        <p:style>
-          <a:lnRef idx="2">
-            <a:schemeClr val="accent1">
-              <a:shade val="50000"/>
-            </a:schemeClr>
-          </a:lnRef>
-          <a:fillRef idx="1">
-            <a:schemeClr val="accent1"/>
-          </a:fillRef>
-          <a:effectRef idx="0">
-            <a:schemeClr val="accent1"/>
-          </a:effectRef>
-          <a:fontRef idx="minor">
-            <a:schemeClr val="lt1"/>
-          </a:fontRef>
-        </p:style>
-        <p:txBody>
-          <a:bodyPr rtlCol="0" anchor="ctr"/>
-          <a:lstStyle/>
-          <a:p>
-            <a:pPr algn="ctr"/>
-            <a:endParaRPr lang="en-US"/>
-          </a:p>
-        </p:txBody>
-      </p:sp>
-      <p:sp>
-        <p:nvSpPr>
-          <p:cNvPr id="23" name="TextBox 22"/>
-          <p:cNvSpPr txBox="1"/>
-          <p:nvPr/>
-        </p:nvSpPr>
-        <p:spPr>
-          <a:xfrm>
-            <a:off x="733841" y="3827455"/>
-            <a:ext cx="4408003" cy="400110"/>
-          </a:xfrm>
-          <a:prstGeom prst="rect">
-            <a:avLst/>
-          </a:prstGeom>
-          <a:noFill/>
-        </p:spPr>
-        <p:txBody>
-          <a:bodyPr wrap="square" rtlCol="0">
-            <a:spAutoFit/>
-          </a:bodyPr>
-          <a:lstStyle/>
-          <a:p>
-            <a:r>
-              <a:rPr lang="en-US" sz="2000" dirty="0">
-                <a:solidFill>
-                  <a:schemeClr val="tx1">
-                    <a:lumMod val="85000"/>
-                    <a:lumOff val="15000"/>
-                  </a:schemeClr>
-                </a:solidFill>
-                <a:ea typeface="Roboto" pitchFamily="2" charset="0"/>
-              </a:rPr>
-              <a:t>Nhấn Button </a:t>
-            </a:r>
-            <a:r>
-              <a:rPr lang="en-US" sz="2000" dirty="0" smtClean="0">
-                <a:solidFill>
-                  <a:schemeClr val="tx1">
-                    <a:lumMod val="85000"/>
-                    <a:lumOff val="15000"/>
-                  </a:schemeClr>
-                </a:solidFill>
-                <a:ea typeface="Roboto" pitchFamily="2" charset="0"/>
-              </a:rPr>
-              <a:t>A+B </a:t>
-            </a:r>
-            <a:r>
-              <a:rPr lang="en-US" sz="2000" dirty="0">
-                <a:solidFill>
-                  <a:schemeClr val="tx1">
-                    <a:lumMod val="85000"/>
-                    <a:lumOff val="15000"/>
-                  </a:schemeClr>
-                </a:solidFill>
-                <a:ea typeface="Roboto" pitchFamily="2" charset="0"/>
-              </a:rPr>
-              <a:t>thì chạy giai điệu </a:t>
-            </a:r>
-            <a:r>
-              <a:rPr lang="en-US" sz="2000" dirty="0" smtClean="0">
-                <a:solidFill>
-                  <a:schemeClr val="tx1">
-                    <a:lumMod val="85000"/>
-                    <a:lumOff val="15000"/>
-                  </a:schemeClr>
-                </a:solidFill>
-                <a:ea typeface="Roboto" pitchFamily="2" charset="0"/>
-              </a:rPr>
-              <a:t>3</a:t>
-            </a:r>
-            <a:endParaRPr lang="en-US" sz="2000" b="1" dirty="0">
-              <a:solidFill>
-                <a:schemeClr val="tx1">
-                  <a:lumMod val="85000"/>
-                  <a:lumOff val="15000"/>
-                </a:schemeClr>
-              </a:solidFill>
-              <a:ea typeface="Roboto" pitchFamily="2" charset="0"/>
-            </a:endParaRPr>
-          </a:p>
-        </p:txBody>
-      </p:sp>
-      <p:sp>
-        <p:nvSpPr>
-          <p:cNvPr id="24" name="Rectangle 23"/>
-          <p:cNvSpPr/>
-          <p:nvPr/>
-        </p:nvSpPr>
-        <p:spPr>
-          <a:xfrm>
-            <a:off x="484565" y="3929088"/>
-            <a:ext cx="168260" cy="168260"/>
-          </a:xfrm>
-          <a:prstGeom prst="rect">
-            <a:avLst/>
-          </a:prstGeom>
-          <a:solidFill>
-            <a:srgbClr val="64C7E9"/>
-          </a:solidFill>
-          <a:ln>
-            <a:noFill/>
-          </a:ln>
-        </p:spPr>
-        <p:style>
-          <a:lnRef idx="2">
-            <a:schemeClr val="accent1">
-              <a:shade val="50000"/>
-            </a:schemeClr>
-          </a:lnRef>
-          <a:fillRef idx="1">
-            <a:schemeClr val="accent1"/>
-          </a:fillRef>
-          <a:effectRef idx="0">
-            <a:schemeClr val="accent1"/>
-          </a:effectRef>
-          <a:fontRef idx="minor">
-            <a:schemeClr val="lt1"/>
-          </a:fontRef>
-        </p:style>
-        <p:txBody>
-          <a:bodyPr rtlCol="0" anchor="ctr"/>
-          <a:lstStyle/>
-          <a:p>
-            <a:pPr algn="ctr"/>
-            <a:endParaRPr lang="en-US"/>
-          </a:p>
-        </p:txBody>
-      </p:sp>
-      <p:sp>
-        <p:nvSpPr>
-          <p:cNvPr id="25" name="TextBox 24"/>
-          <p:cNvSpPr txBox="1"/>
-          <p:nvPr/>
-        </p:nvSpPr>
-        <p:spPr>
-          <a:xfrm>
-            <a:off x="733842" y="4370794"/>
-            <a:ext cx="4023690" cy="400110"/>
-          </a:xfrm>
-          <a:prstGeom prst="rect">
-            <a:avLst/>
-          </a:prstGeom>
-          <a:noFill/>
-        </p:spPr>
-        <p:txBody>
-          <a:bodyPr wrap="square" rtlCol="0">
-            <a:spAutoFit/>
-          </a:bodyPr>
-          <a:lstStyle/>
-          <a:p>
-            <a:r>
-              <a:rPr lang="en-US" sz="2000" dirty="0" smtClean="0">
-                <a:solidFill>
-                  <a:schemeClr val="tx1">
-                    <a:lumMod val="85000"/>
-                    <a:lumOff val="15000"/>
-                  </a:schemeClr>
-                </a:solidFill>
-                <a:ea typeface="Roboto" pitchFamily="2" charset="0"/>
-              </a:rPr>
-              <a:t>Chạm Logo thì </a:t>
-            </a:r>
-            <a:r>
-              <a:rPr lang="en-US" sz="2000" dirty="0">
-                <a:solidFill>
-                  <a:schemeClr val="tx1">
-                    <a:lumMod val="85000"/>
-                    <a:lumOff val="15000"/>
-                  </a:schemeClr>
-                </a:solidFill>
-                <a:ea typeface="Roboto" pitchFamily="2" charset="0"/>
-              </a:rPr>
-              <a:t>chạy giai điệu </a:t>
-            </a:r>
-            <a:r>
-              <a:rPr lang="en-US" sz="2000" dirty="0" smtClean="0">
-                <a:solidFill>
-                  <a:schemeClr val="tx1">
-                    <a:lumMod val="85000"/>
-                    <a:lumOff val="15000"/>
-                  </a:schemeClr>
-                </a:solidFill>
-                <a:ea typeface="Roboto" pitchFamily="2" charset="0"/>
-              </a:rPr>
-              <a:t>4</a:t>
-            </a:r>
-            <a:endParaRPr lang="en-US" sz="2000" b="1" dirty="0">
-              <a:solidFill>
-                <a:schemeClr val="tx1">
-                  <a:lumMod val="85000"/>
-                  <a:lumOff val="15000"/>
-                </a:schemeClr>
-              </a:solidFill>
-              <a:ea typeface="Roboto" pitchFamily="2" charset="0"/>
-            </a:endParaRPr>
-          </a:p>
-        </p:txBody>
-      </p:sp>
-      <p:sp>
-        <p:nvSpPr>
-          <p:cNvPr id="26" name="Rectangle 25"/>
-          <p:cNvSpPr/>
-          <p:nvPr/>
-        </p:nvSpPr>
-        <p:spPr>
-          <a:xfrm>
-            <a:off x="484565" y="4472427"/>
-            <a:ext cx="168260" cy="168260"/>
-          </a:xfrm>
-          <a:prstGeom prst="rect">
-            <a:avLst/>
-          </a:prstGeom>
-          <a:solidFill>
-            <a:srgbClr val="64C7E9"/>
-          </a:solidFill>
-          <a:ln>
-            <a:noFill/>
-          </a:ln>
-        </p:spPr>
-        <p:style>
-          <a:lnRef idx="2">
-            <a:schemeClr val="accent1">
-              <a:shade val="50000"/>
-            </a:schemeClr>
-          </a:lnRef>
-          <a:fillRef idx="1">
-            <a:schemeClr val="accent1"/>
-          </a:fillRef>
-          <a:effectRef idx="0">
-            <a:schemeClr val="accent1"/>
-          </a:effectRef>
-          <a:fontRef idx="minor">
-            <a:schemeClr val="lt1"/>
-          </a:fontRef>
-        </p:style>
-        <p:txBody>
-          <a:bodyPr rtlCol="0" anchor="ctr"/>
-          <a:lstStyle/>
-          <a:p>
-            <a:pPr algn="ctr"/>
-            <a:endParaRPr lang="en-US"/>
-          </a:p>
-        </p:txBody>
-      </p:sp>
-      <p:sp>
-        <p:nvSpPr>
-          <p:cNvPr id="27" name="TextBox 26"/>
-          <p:cNvSpPr txBox="1"/>
-          <p:nvPr/>
-        </p:nvSpPr>
-        <p:spPr>
-          <a:xfrm>
-            <a:off x="733842" y="4953890"/>
-            <a:ext cx="4023690" cy="400110"/>
-          </a:xfrm>
-          <a:prstGeom prst="rect">
-            <a:avLst/>
-          </a:prstGeom>
-          <a:noFill/>
-        </p:spPr>
-        <p:txBody>
-          <a:bodyPr wrap="square" rtlCol="0">
-            <a:spAutoFit/>
-          </a:bodyPr>
-          <a:lstStyle/>
-          <a:p>
-            <a:r>
-              <a:rPr lang="en-US" sz="2000" dirty="0">
-                <a:solidFill>
-                  <a:schemeClr val="tx1">
-                    <a:lumMod val="85000"/>
-                    <a:lumOff val="15000"/>
-                  </a:schemeClr>
-                </a:solidFill>
-                <a:ea typeface="Roboto" pitchFamily="2" charset="0"/>
-              </a:rPr>
-              <a:t>Lắc micro:bit thì chạy giai điệu </a:t>
-            </a:r>
-            <a:r>
-              <a:rPr lang="en-US" sz="2000" dirty="0" smtClean="0">
-                <a:solidFill>
-                  <a:schemeClr val="tx1">
-                    <a:lumMod val="85000"/>
-                    <a:lumOff val="15000"/>
-                  </a:schemeClr>
-                </a:solidFill>
-                <a:ea typeface="Roboto" pitchFamily="2" charset="0"/>
-              </a:rPr>
-              <a:t>5</a:t>
-            </a:r>
-            <a:endParaRPr lang="en-US" sz="2000" b="1" dirty="0">
-              <a:solidFill>
-                <a:schemeClr val="tx1">
-                  <a:lumMod val="85000"/>
-                  <a:lumOff val="15000"/>
-                </a:schemeClr>
-              </a:solidFill>
-              <a:ea typeface="Roboto" pitchFamily="2" charset="0"/>
-            </a:endParaRPr>
-          </a:p>
-        </p:txBody>
-      </p:sp>
-      <p:sp>
-        <p:nvSpPr>
-          <p:cNvPr id="28" name="Rectangle 27"/>
-          <p:cNvSpPr/>
-          <p:nvPr/>
-        </p:nvSpPr>
-        <p:spPr>
-          <a:xfrm>
-            <a:off x="484565" y="5095279"/>
-            <a:ext cx="168260" cy="168260"/>
-          </a:xfrm>
-          <a:prstGeom prst="rect">
-            <a:avLst/>
-          </a:prstGeom>
-          <a:solidFill>
-            <a:srgbClr val="64C7E9"/>
-          </a:solidFill>
-          <a:ln>
-            <a:noFill/>
-          </a:ln>
-        </p:spPr>
-        <p:style>
-          <a:lnRef idx="2">
-            <a:schemeClr val="accent1">
-              <a:shade val="50000"/>
-            </a:schemeClr>
-          </a:lnRef>
-          <a:fillRef idx="1">
-            <a:schemeClr val="accent1"/>
-          </a:fillRef>
-          <a:effectRef idx="0">
-            <a:schemeClr val="accent1"/>
-          </a:effectRef>
-          <a:fontRef idx="minor">
-            <a:schemeClr val="lt1"/>
-          </a:fontRef>
-        </p:style>
-        <p:txBody>
-          <a:bodyPr rtlCol="0" anchor="ctr"/>
-          <a:lstStyle/>
-          <a:p>
-            <a:pPr algn="ctr"/>
-            <a:endParaRPr lang="en-US"/>
-          </a:p>
-        </p:txBody>
-      </p:sp>
-      <p:pic>
-        <p:nvPicPr>
-          <p:cNvPr id="5" name="Picture 4"/>
-          <p:cNvPicPr>
-            <a:picLocks noChangeAspect="1"/>
-          </p:cNvPicPr>
-          <p:nvPr/>
-        </p:nvPicPr>
-        <p:blipFill>
-          <a:blip r:embed="rId3"/>
-          <a:stretch>
-            <a:fillRect/>
-          </a:stretch>
-        </p:blipFill>
-        <p:spPr>
-          <a:xfrm>
-            <a:off x="5113387" y="3975163"/>
-            <a:ext cx="2772162" cy="2314898"/>
-          </a:xfrm>
-          <a:prstGeom prst="rect">
-            <a:avLst/>
-          </a:prstGeom>
-        </p:spPr>
-      </p:pic>
-      <p:pic>
-        <p:nvPicPr>
-          <p:cNvPr id="6" name="Picture 5"/>
-          <p:cNvPicPr>
-            <a:picLocks noChangeAspect="1"/>
-          </p:cNvPicPr>
-          <p:nvPr/>
-        </p:nvPicPr>
-        <p:blipFill>
-          <a:blip r:embed="rId4"/>
-          <a:stretch>
-            <a:fillRect/>
-          </a:stretch>
-        </p:blipFill>
-        <p:spPr>
-          <a:xfrm>
-            <a:off x="5183104" y="2631120"/>
-            <a:ext cx="3648584" cy="571580"/>
-          </a:xfrm>
-          <a:prstGeom prst="rect">
-            <a:avLst/>
-          </a:prstGeom>
-        </p:spPr>
-      </p:pic>
-      <p:pic>
-        <p:nvPicPr>
-          <p:cNvPr id="7" name="Picture 6"/>
-          <p:cNvPicPr>
-            <a:picLocks noChangeAspect="1"/>
-          </p:cNvPicPr>
-          <p:nvPr/>
-        </p:nvPicPr>
-        <p:blipFill>
-          <a:blip r:embed="rId5"/>
-          <a:stretch>
-            <a:fillRect/>
-          </a:stretch>
-        </p:blipFill>
-        <p:spPr>
-          <a:xfrm>
-            <a:off x="5183104" y="3284475"/>
-            <a:ext cx="3019846" cy="571580"/>
-          </a:xfrm>
-          <a:prstGeom prst="rect">
-            <a:avLst/>
-          </a:prstGeom>
-        </p:spPr>
-      </p:pic>
-      <p:sp>
-        <p:nvSpPr>
-          <p:cNvPr id="29" name="TextBox 28"/>
-          <p:cNvSpPr txBox="1"/>
-          <p:nvPr/>
-        </p:nvSpPr>
-        <p:spPr>
-          <a:xfrm>
-            <a:off x="505717" y="5629751"/>
-            <a:ext cx="4023690" cy="707886"/>
-          </a:xfrm>
-          <a:prstGeom prst="rect">
-            <a:avLst/>
-          </a:prstGeom>
-          <a:noFill/>
-        </p:spPr>
-        <p:txBody>
-          <a:bodyPr wrap="square" rtlCol="0">
-            <a:spAutoFit/>
-          </a:bodyPr>
-          <a:lstStyle/>
-          <a:p>
-            <a:r>
-              <a:rPr lang="en-US" sz="2000" dirty="0" smtClean="0">
-                <a:solidFill>
-                  <a:schemeClr val="tx1">
-                    <a:lumMod val="85000"/>
-                    <a:lumOff val="15000"/>
-                  </a:schemeClr>
-                </a:solidFill>
-                <a:ea typeface="Roboto" pitchFamily="2" charset="0"/>
-              </a:rPr>
-              <a:t>Hiển thị icon nốt nhạc trong khi chơi nhạc.</a:t>
-            </a:r>
-            <a:endParaRPr lang="en-US" sz="2000" b="1" dirty="0">
-              <a:solidFill>
-                <a:schemeClr val="tx1">
-                  <a:lumMod val="85000"/>
-                  <a:lumOff val="15000"/>
-                </a:schemeClr>
-              </a:solidFill>
-              <a:ea typeface="Roboto" pitchFamily="2" charset="0"/>
-            </a:endParaRPr>
-          </a:p>
-        </p:txBody>
-      </p:sp>
-    </p:spTree>
-    <p:extLst>
-      <p:ext uri="{BB962C8B-B14F-4D97-AF65-F5344CB8AC3E}">
-        <p14:creationId xmlns:p14="http://schemas.microsoft.com/office/powerpoint/2010/main" val="2789131954"/>
-      </p:ext>
-    </p:extLst>
-  </p:cSld>
-  <p:clrMapOvr>
-    <a:masterClrMapping/>
-  </p:clrMapOvr>
-  <p:timing>
-    <p:tnLst>
-      <p:par>
-        <p:cTn id="1" dur="indefinite" restart="never" nodeType="tmRoot"/>
-      </p:par>
-    </p:tnLst>
-  </p:timing>
-</p:sld>
-</file>
-
-<file path=ppt/slides/slide13.xml><?xml version="1.0" encoding="utf-8"?>
-<p:sld xmlns:a="http://schemas.openxmlformats.org/drawingml/2006/main" xmlns:r="http://schemas.openxmlformats.org/officeDocument/2006/relationships" xmlns:p="http://schemas.openxmlformats.org/presentationml/2006/main">
-  <p:cSld>
-    <p:spTree>
-      <p:nvGrpSpPr>
-        <p:cNvPr id="1" name=""/>
-        <p:cNvGrpSpPr/>
-        <p:nvPr/>
-      </p:nvGrpSpPr>
-      <p:grpSpPr>
-        <a:xfrm>
-          <a:off x="0" y="0"/>
-          <a:ext cx="0" cy="0"/>
-          <a:chOff x="0" y="0"/>
-          <a:chExt cx="0" cy="0"/>
-        </a:xfrm>
-      </p:grpSpPr>
-      <p:pic>
-        <p:nvPicPr>
-          <p:cNvPr id="22" name="Picture 21"/>
-          <p:cNvPicPr>
-            <a:picLocks noChangeAspect="1"/>
-          </p:cNvPicPr>
-          <p:nvPr/>
-        </p:nvPicPr>
-        <p:blipFill>
-          <a:blip r:embed="rId2"/>
-          <a:stretch>
-            <a:fillRect/>
-          </a:stretch>
-        </p:blipFill>
-        <p:spPr>
-          <a:xfrm>
-            <a:off x="6667496" y="2311419"/>
-            <a:ext cx="2089393" cy="1735136"/>
-          </a:xfrm>
-          <a:prstGeom prst="rect">
-            <a:avLst/>
-          </a:prstGeom>
-        </p:spPr>
-      </p:pic>
-      <p:sp>
-        <p:nvSpPr>
-          <p:cNvPr id="2" name="Slide Number Placeholder 1"/>
-          <p:cNvSpPr>
-            <a:spLocks noGrp="1"/>
-          </p:cNvSpPr>
-          <p:nvPr>
-            <p:ph type="sldNum" sz="quarter" idx="12"/>
-          </p:nvPr>
-        </p:nvSpPr>
-        <p:spPr/>
-        <p:txBody>
-          <a:bodyPr/>
-          <a:lstStyle/>
-          <a:p>
-            <a:fld id="{7D9EC917-02A2-4152-9EE3-DFE2775A77C7}" type="slidenum">
-              <a:rPr lang="en-US" smtClean="0"/>
-              <a:pPr/>
-              <a:t>13</a:t>
-            </a:fld>
-            <a:endParaRPr lang="en-US"/>
-          </a:p>
-        </p:txBody>
-      </p:sp>
-      <p:sp>
-        <p:nvSpPr>
-          <p:cNvPr id="3" name="Rectangle 2"/>
-          <p:cNvSpPr/>
-          <p:nvPr/>
-        </p:nvSpPr>
-        <p:spPr>
-          <a:xfrm>
-            <a:off x="301925" y="1051379"/>
-            <a:ext cx="8454964" cy="27432"/>
-          </a:xfrm>
-          <a:prstGeom prst="rect">
-            <a:avLst/>
-          </a:prstGeom>
-          <a:gradFill flip="none" rotWithShape="1">
-            <a:gsLst>
-              <a:gs pos="15000">
-                <a:srgbClr val="67C7DF"/>
-              </a:gs>
-              <a:gs pos="100000">
-                <a:srgbClr val="5EB130"/>
-              </a:gs>
-            </a:gsLst>
-            <a:lin ang="0" scaled="1"/>
-            <a:tileRect/>
-          </a:gradFill>
-          <a:ln>
-            <a:noFill/>
-          </a:ln>
-        </p:spPr>
-        <p:style>
-          <a:lnRef idx="2">
-            <a:schemeClr val="accent1">
-              <a:shade val="50000"/>
-            </a:schemeClr>
-          </a:lnRef>
-          <a:fillRef idx="1">
-            <a:schemeClr val="accent1"/>
-          </a:fillRef>
-          <a:effectRef idx="0">
-            <a:schemeClr val="accent1"/>
-          </a:effectRef>
-          <a:fontRef idx="minor">
-            <a:schemeClr val="lt1"/>
-          </a:fontRef>
-        </p:style>
-        <p:txBody>
-          <a:bodyPr rtlCol="0" anchor="ctr"/>
-          <a:lstStyle/>
-          <a:p>
-            <a:pPr algn="ctr"/>
-            <a:endParaRPr lang="en-US"/>
-          </a:p>
-        </p:txBody>
-      </p:sp>
-      <p:sp>
-        <p:nvSpPr>
-          <p:cNvPr id="4" name="TextBox 3"/>
-          <p:cNvSpPr txBox="1"/>
-          <p:nvPr/>
-        </p:nvSpPr>
-        <p:spPr>
-          <a:xfrm>
-            <a:off x="248815" y="546584"/>
-            <a:ext cx="7374995" cy="461665"/>
-          </a:xfrm>
-          <a:prstGeom prst="rect">
-            <a:avLst/>
-          </a:prstGeom>
-          <a:noFill/>
-        </p:spPr>
-        <p:txBody>
-          <a:bodyPr wrap="square" rtlCol="0">
-            <a:spAutoFit/>
-          </a:bodyPr>
-          <a:lstStyle/>
-          <a:p>
-            <a:r>
-              <a:rPr lang="en-US" sz="2400" b="1" dirty="0" smtClean="0">
-                <a:solidFill>
-                  <a:srgbClr val="64C7E9"/>
-                </a:solidFill>
-                <a:latin typeface="UTM Helve" panose="02040603050506020204" pitchFamily="18" charset="0"/>
-                <a:ea typeface="Roboto" pitchFamily="2" charset="0"/>
-              </a:rPr>
-              <a:t>6.3 </a:t>
-            </a:r>
-            <a:r>
-              <a:rPr lang="en-US" sz="2400" b="1" dirty="0" smtClean="0">
-                <a:solidFill>
-                  <a:srgbClr val="64C7E9"/>
-                </a:solidFill>
-                <a:latin typeface="UTM Helve" panose="02040603050506020204" pitchFamily="18" charset="0"/>
-                <a:ea typeface="Roboto" pitchFamily="2" charset="0"/>
-              </a:rPr>
-              <a:t>Hoạt động học viên</a:t>
-            </a:r>
-            <a:endParaRPr lang="en-US" sz="2400" b="1" dirty="0">
-              <a:solidFill>
-                <a:srgbClr val="64C7E9"/>
-              </a:solidFill>
-              <a:latin typeface="UTM Helve" panose="02040603050506020204" pitchFamily="18" charset="0"/>
-              <a:ea typeface="Roboto" pitchFamily="2" charset="0"/>
-            </a:endParaRPr>
-          </a:p>
-        </p:txBody>
-      </p:sp>
-      <p:sp>
-        <p:nvSpPr>
-          <p:cNvPr id="5" name="TextBox 4"/>
-          <p:cNvSpPr txBox="1"/>
-          <p:nvPr/>
-        </p:nvSpPr>
-        <p:spPr>
-          <a:xfrm>
-            <a:off x="1236140" y="1257796"/>
-            <a:ext cx="6387670" cy="461665"/>
-          </a:xfrm>
-          <a:prstGeom prst="rect">
-            <a:avLst/>
-          </a:prstGeom>
-          <a:noFill/>
-        </p:spPr>
-        <p:txBody>
-          <a:bodyPr wrap="square" rtlCol="0">
-            <a:spAutoFit/>
-          </a:bodyPr>
-          <a:lstStyle/>
-          <a:p>
-            <a:r>
-              <a:rPr lang="en-US" sz="2400" b="1" dirty="0">
-                <a:solidFill>
-                  <a:schemeClr val="tx1">
-                    <a:lumMod val="85000"/>
-                    <a:lumOff val="15000"/>
-                  </a:schemeClr>
-                </a:solidFill>
-                <a:latin typeface="UTM Helve" panose="02040603050506020204" pitchFamily="18" charset="0"/>
-                <a:ea typeface="Roboto" pitchFamily="2" charset="0"/>
-              </a:rPr>
-              <a:t>Countdown - Chúc Mừng Năm Mới</a:t>
-            </a:r>
-          </a:p>
-        </p:txBody>
-      </p:sp>
-      <p:pic>
-        <p:nvPicPr>
-          <p:cNvPr id="6" name="Picture 5"/>
-          <p:cNvPicPr>
-            <a:picLocks noChangeAspect="1"/>
-          </p:cNvPicPr>
-          <p:nvPr/>
-        </p:nvPicPr>
-        <p:blipFill>
-          <a:blip r:embed="rId3">
-            <a:extLst>
-              <a:ext uri="{28A0092B-C50C-407E-A947-70E740481C1C}">
-                <a14:useLocalDpi xmlns:a14="http://schemas.microsoft.com/office/drawing/2010/main" val="0"/>
-              </a:ext>
-            </a:extLst>
-          </a:blip>
-          <a:stretch>
-            <a:fillRect/>
-          </a:stretch>
-        </p:blipFill>
-        <p:spPr>
-          <a:xfrm>
-            <a:off x="679888" y="1330753"/>
-            <a:ext cx="466725" cy="409575"/>
-          </a:xfrm>
-          <a:prstGeom prst="rect">
-            <a:avLst/>
-          </a:prstGeom>
-        </p:spPr>
-      </p:pic>
-      <p:sp>
-        <p:nvSpPr>
-          <p:cNvPr id="8" name="TextBox 7"/>
-          <p:cNvSpPr txBox="1"/>
-          <p:nvPr/>
-        </p:nvSpPr>
-        <p:spPr>
-          <a:xfrm>
-            <a:off x="582272" y="1844460"/>
-            <a:ext cx="7894269" cy="707886"/>
-          </a:xfrm>
-          <a:prstGeom prst="rect">
-            <a:avLst/>
-          </a:prstGeom>
-          <a:noFill/>
-        </p:spPr>
-        <p:txBody>
-          <a:bodyPr wrap="square" rtlCol="0">
-            <a:spAutoFit/>
-          </a:bodyPr>
-          <a:lstStyle/>
-          <a:p>
-            <a:r>
-              <a:rPr lang="vi-VN" sz="2000" dirty="0"/>
-              <a:t>Tạo chương trình đếm ngược thời khắc chuyển giao năm mới từ </a:t>
-            </a:r>
-            <a:r>
-              <a:rPr lang="en-US" sz="2000" dirty="0" smtClean="0"/>
-              <a:t/>
-            </a:r>
-            <a:br>
-              <a:rPr lang="en-US" sz="2000" dirty="0" smtClean="0"/>
-            </a:br>
-            <a:r>
-              <a:rPr lang="vi-VN" sz="2000" dirty="0" smtClean="0"/>
-              <a:t>10 </a:t>
-            </a:r>
-            <a:r>
-              <a:rPr lang="vi-VN" sz="2000" dirty="0"/>
-              <a:t>- 1 với yêu cầu như sau:</a:t>
-            </a:r>
-            <a:endParaRPr lang="en-US" sz="2000" b="1" dirty="0">
-              <a:latin typeface="Arial" panose="020B0604020202020204" pitchFamily="34" charset="0"/>
-              <a:cs typeface="Arial" panose="020B0604020202020204" pitchFamily="34" charset="0"/>
-            </a:endParaRPr>
-          </a:p>
-        </p:txBody>
-      </p:sp>
-      <p:sp>
-        <p:nvSpPr>
-          <p:cNvPr id="13" name="TextBox 12"/>
-          <p:cNvSpPr txBox="1"/>
-          <p:nvPr/>
-        </p:nvSpPr>
-        <p:spPr>
-          <a:xfrm>
-            <a:off x="869831" y="2674516"/>
-            <a:ext cx="4775596" cy="707886"/>
-          </a:xfrm>
-          <a:prstGeom prst="rect">
-            <a:avLst/>
-          </a:prstGeom>
-          <a:noFill/>
-        </p:spPr>
-        <p:txBody>
-          <a:bodyPr wrap="square" rtlCol="0">
-            <a:spAutoFit/>
-          </a:bodyPr>
-          <a:lstStyle/>
-          <a:p>
-            <a:r>
-              <a:rPr lang="vi-VN" sz="2000" dirty="0">
-                <a:solidFill>
-                  <a:schemeClr val="tx1">
-                    <a:lumMod val="85000"/>
-                    <a:lumOff val="15000"/>
-                  </a:schemeClr>
-                </a:solidFill>
-                <a:ea typeface="Roboto" pitchFamily="2" charset="0"/>
-              </a:rPr>
-              <a:t>Nhấn phím A thì khởi động chương trình và phát âm thanh bật nguồn `power up`</a:t>
-            </a:r>
-            <a:endParaRPr lang="en-US" sz="2000" b="1" dirty="0">
-              <a:solidFill>
-                <a:schemeClr val="tx1">
-                  <a:lumMod val="85000"/>
-                  <a:lumOff val="15000"/>
-                </a:schemeClr>
-              </a:solidFill>
-              <a:ea typeface="Roboto" pitchFamily="2" charset="0"/>
-            </a:endParaRPr>
-          </a:p>
-        </p:txBody>
-      </p:sp>
-      <p:sp>
-        <p:nvSpPr>
-          <p:cNvPr id="14" name="Rectangle 13"/>
-          <p:cNvSpPr/>
-          <p:nvPr/>
-        </p:nvSpPr>
-        <p:spPr>
-          <a:xfrm>
-            <a:off x="686814" y="2802653"/>
-            <a:ext cx="168260" cy="168260"/>
-          </a:xfrm>
-          <a:prstGeom prst="rect">
-            <a:avLst/>
-          </a:prstGeom>
-          <a:solidFill>
-            <a:srgbClr val="64C7E9"/>
-          </a:solidFill>
-          <a:ln>
-            <a:noFill/>
-          </a:ln>
-        </p:spPr>
-        <p:style>
-          <a:lnRef idx="2">
-            <a:schemeClr val="accent1">
-              <a:shade val="50000"/>
-            </a:schemeClr>
-          </a:lnRef>
-          <a:fillRef idx="1">
-            <a:schemeClr val="accent1"/>
-          </a:fillRef>
-          <a:effectRef idx="0">
-            <a:schemeClr val="accent1"/>
-          </a:effectRef>
-          <a:fontRef idx="minor">
-            <a:schemeClr val="lt1"/>
-          </a:fontRef>
-        </p:style>
-        <p:txBody>
-          <a:bodyPr rtlCol="0" anchor="ctr"/>
-          <a:lstStyle/>
-          <a:p>
-            <a:pPr algn="ctr"/>
-            <a:endParaRPr lang="en-US"/>
-          </a:p>
-        </p:txBody>
-      </p:sp>
-      <p:sp>
-        <p:nvSpPr>
-          <p:cNvPr id="15" name="TextBox 14"/>
-          <p:cNvSpPr txBox="1"/>
-          <p:nvPr/>
-        </p:nvSpPr>
-        <p:spPr>
-          <a:xfrm>
-            <a:off x="869831" y="3443142"/>
-            <a:ext cx="4775596" cy="707886"/>
-          </a:xfrm>
-          <a:prstGeom prst="rect">
-            <a:avLst/>
-          </a:prstGeom>
-          <a:noFill/>
-        </p:spPr>
-        <p:txBody>
-          <a:bodyPr wrap="square" rtlCol="0">
-            <a:spAutoFit/>
-          </a:bodyPr>
-          <a:lstStyle/>
-          <a:p>
-            <a:r>
-              <a:rPr lang="vi-VN" sz="2000" dirty="0">
-                <a:solidFill>
-                  <a:schemeClr val="tx1">
-                    <a:lumMod val="85000"/>
-                    <a:lumOff val="15000"/>
-                  </a:schemeClr>
-                </a:solidFill>
-                <a:ea typeface="Roboto" pitchFamily="2" charset="0"/>
-              </a:rPr>
-              <a:t>Nhấn phím B thì tắt chương trình, phát âm thanh bật nguồn `power down`</a:t>
-            </a:r>
-            <a:endParaRPr lang="en-US" sz="2000" b="1" dirty="0">
-              <a:solidFill>
-                <a:schemeClr val="tx1">
-                  <a:lumMod val="85000"/>
-                  <a:lumOff val="15000"/>
-                </a:schemeClr>
-              </a:solidFill>
-              <a:ea typeface="Roboto" pitchFamily="2" charset="0"/>
-            </a:endParaRPr>
-          </a:p>
-        </p:txBody>
-      </p:sp>
-      <p:sp>
-        <p:nvSpPr>
-          <p:cNvPr id="16" name="Rectangle 15"/>
-          <p:cNvSpPr/>
-          <p:nvPr/>
-        </p:nvSpPr>
-        <p:spPr>
-          <a:xfrm>
-            <a:off x="686814" y="3571279"/>
-            <a:ext cx="168260" cy="168260"/>
-          </a:xfrm>
-          <a:prstGeom prst="rect">
-            <a:avLst/>
-          </a:prstGeom>
-          <a:solidFill>
-            <a:srgbClr val="64C7E9"/>
-          </a:solidFill>
-          <a:ln>
-            <a:noFill/>
-          </a:ln>
-        </p:spPr>
-        <p:style>
-          <a:lnRef idx="2">
-            <a:schemeClr val="accent1">
-              <a:shade val="50000"/>
-            </a:schemeClr>
-          </a:lnRef>
-          <a:fillRef idx="1">
-            <a:schemeClr val="accent1"/>
-          </a:fillRef>
-          <a:effectRef idx="0">
-            <a:schemeClr val="accent1"/>
-          </a:effectRef>
-          <a:fontRef idx="minor">
-            <a:schemeClr val="lt1"/>
-          </a:fontRef>
-        </p:style>
-        <p:txBody>
-          <a:bodyPr rtlCol="0" anchor="ctr"/>
-          <a:lstStyle/>
-          <a:p>
-            <a:pPr algn="ctr"/>
-            <a:endParaRPr lang="en-US"/>
-          </a:p>
-        </p:txBody>
-      </p:sp>
-      <p:sp>
-        <p:nvSpPr>
-          <p:cNvPr id="17" name="TextBox 16"/>
-          <p:cNvSpPr txBox="1"/>
-          <p:nvPr/>
-        </p:nvSpPr>
-        <p:spPr>
-          <a:xfrm>
-            <a:off x="869831" y="4145507"/>
-            <a:ext cx="4775596" cy="1323439"/>
-          </a:xfrm>
-          <a:prstGeom prst="rect">
-            <a:avLst/>
-          </a:prstGeom>
-          <a:noFill/>
-        </p:spPr>
-        <p:txBody>
-          <a:bodyPr wrap="square" rtlCol="0">
-            <a:spAutoFit/>
-          </a:bodyPr>
-          <a:lstStyle/>
-          <a:p>
-            <a:r>
-              <a:rPr lang="vi-VN" sz="2000" dirty="0">
-                <a:solidFill>
-                  <a:schemeClr val="tx1">
-                    <a:lumMod val="85000"/>
-                    <a:lumOff val="15000"/>
-                  </a:schemeClr>
-                </a:solidFill>
-                <a:ea typeface="Roboto" pitchFamily="2" charset="0"/>
-              </a:rPr>
-              <a:t>Chạm vào Logo thì bắt đầu chương trình đếm ngược. Mỗi giây </a:t>
-            </a:r>
-            <a:r>
-              <a:rPr lang="vi-VN" sz="2000" dirty="0" smtClean="0">
-                <a:solidFill>
-                  <a:schemeClr val="tx1">
-                    <a:lumMod val="85000"/>
-                    <a:lumOff val="15000"/>
-                  </a:schemeClr>
-                </a:solidFill>
-                <a:ea typeface="Roboto" pitchFamily="2" charset="0"/>
-              </a:rPr>
-              <a:t>hiển </a:t>
-            </a:r>
-            <a:r>
-              <a:rPr lang="vi-VN" sz="2000" dirty="0">
-                <a:solidFill>
-                  <a:schemeClr val="tx1">
-                    <a:lumMod val="85000"/>
-                    <a:lumOff val="15000"/>
-                  </a:schemeClr>
-                </a:solidFill>
-                <a:ea typeface="Roboto" pitchFamily="2" charset="0"/>
-              </a:rPr>
-              <a:t>thị số ra màn hình LED, đồng thời phát âm thamh middle G.</a:t>
-            </a:r>
-            <a:endParaRPr lang="en-US" sz="2000" b="1" dirty="0">
-              <a:solidFill>
-                <a:schemeClr val="tx1">
-                  <a:lumMod val="85000"/>
-                  <a:lumOff val="15000"/>
-                </a:schemeClr>
-              </a:solidFill>
-              <a:ea typeface="Roboto" pitchFamily="2" charset="0"/>
-            </a:endParaRPr>
-          </a:p>
-        </p:txBody>
-      </p:sp>
-      <p:sp>
-        <p:nvSpPr>
-          <p:cNvPr id="18" name="Rectangle 17"/>
-          <p:cNvSpPr/>
-          <p:nvPr/>
-        </p:nvSpPr>
-        <p:spPr>
-          <a:xfrm>
-            <a:off x="686814" y="4273644"/>
-            <a:ext cx="168260" cy="168260"/>
-          </a:xfrm>
-          <a:prstGeom prst="rect">
-            <a:avLst/>
-          </a:prstGeom>
-          <a:solidFill>
-            <a:srgbClr val="64C7E9"/>
-          </a:solidFill>
-          <a:ln>
-            <a:noFill/>
-          </a:ln>
-        </p:spPr>
-        <p:style>
-          <a:lnRef idx="2">
-            <a:schemeClr val="accent1">
-              <a:shade val="50000"/>
-            </a:schemeClr>
-          </a:lnRef>
-          <a:fillRef idx="1">
-            <a:schemeClr val="accent1"/>
-          </a:fillRef>
-          <a:effectRef idx="0">
-            <a:schemeClr val="accent1"/>
-          </a:effectRef>
-          <a:fontRef idx="minor">
-            <a:schemeClr val="lt1"/>
-          </a:fontRef>
-        </p:style>
-        <p:txBody>
-          <a:bodyPr rtlCol="0" anchor="ctr"/>
-          <a:lstStyle/>
-          <a:p>
-            <a:pPr algn="ctr"/>
-            <a:endParaRPr lang="en-US"/>
-          </a:p>
-        </p:txBody>
-      </p:sp>
-      <p:sp>
-        <p:nvSpPr>
-          <p:cNvPr id="19" name="TextBox 18"/>
-          <p:cNvSpPr txBox="1"/>
-          <p:nvPr/>
-        </p:nvSpPr>
-        <p:spPr>
-          <a:xfrm>
-            <a:off x="869831" y="5483976"/>
-            <a:ext cx="4775596" cy="1015663"/>
-          </a:xfrm>
-          <a:prstGeom prst="rect">
-            <a:avLst/>
-          </a:prstGeom>
-          <a:noFill/>
-        </p:spPr>
-        <p:txBody>
-          <a:bodyPr wrap="square" rtlCol="0">
-            <a:spAutoFit/>
-          </a:bodyPr>
-          <a:lstStyle/>
-          <a:p>
-            <a:r>
-              <a:rPr lang="vi-VN" sz="2000" dirty="0">
-                <a:solidFill>
-                  <a:schemeClr val="tx1">
-                    <a:lumMod val="85000"/>
-                    <a:lumOff val="15000"/>
-                  </a:schemeClr>
-                </a:solidFill>
-                <a:ea typeface="Roboto" pitchFamily="2" charset="0"/>
-              </a:rPr>
-              <a:t>Đếm đến 0 thì phát âm thanh `happy`, đồng thời cho LED trình diễn animations pháo hoa liên tục cho đến tắt thì thôi</a:t>
-            </a:r>
-            <a:endParaRPr lang="en-US" sz="2000" b="1" dirty="0">
-              <a:solidFill>
-                <a:schemeClr val="tx1">
-                  <a:lumMod val="85000"/>
-                  <a:lumOff val="15000"/>
-                </a:schemeClr>
-              </a:solidFill>
-              <a:ea typeface="Roboto" pitchFamily="2" charset="0"/>
-            </a:endParaRPr>
-          </a:p>
-        </p:txBody>
-      </p:sp>
-      <p:sp>
-        <p:nvSpPr>
-          <p:cNvPr id="20" name="Rectangle 19"/>
-          <p:cNvSpPr/>
-          <p:nvPr/>
-        </p:nvSpPr>
-        <p:spPr>
-          <a:xfrm>
-            <a:off x="686814" y="5612113"/>
-            <a:ext cx="168260" cy="168260"/>
-          </a:xfrm>
-          <a:prstGeom prst="rect">
-            <a:avLst/>
-          </a:prstGeom>
-          <a:solidFill>
-            <a:srgbClr val="64C7E9"/>
-          </a:solidFill>
-          <a:ln>
-            <a:noFill/>
-          </a:ln>
-        </p:spPr>
-        <p:style>
-          <a:lnRef idx="2">
-            <a:schemeClr val="accent1">
-              <a:shade val="50000"/>
-            </a:schemeClr>
-          </a:lnRef>
-          <a:fillRef idx="1">
-            <a:schemeClr val="accent1"/>
-          </a:fillRef>
-          <a:effectRef idx="0">
-            <a:schemeClr val="accent1"/>
-          </a:effectRef>
-          <a:fontRef idx="minor">
-            <a:schemeClr val="lt1"/>
-          </a:fontRef>
-        </p:style>
-        <p:txBody>
-          <a:bodyPr rtlCol="0" anchor="ctr"/>
-          <a:lstStyle/>
-          <a:p>
-            <a:pPr algn="ctr"/>
-            <a:endParaRPr lang="en-US"/>
-          </a:p>
-        </p:txBody>
-      </p:sp>
-      <p:pic>
-        <p:nvPicPr>
-          <p:cNvPr id="21" name="Picture 20"/>
-          <p:cNvPicPr>
-            <a:picLocks noChangeAspect="1"/>
-          </p:cNvPicPr>
-          <p:nvPr/>
-        </p:nvPicPr>
-        <p:blipFill>
-          <a:blip r:embed="rId4">
-            <a:extLst>
-              <a:ext uri="{28A0092B-C50C-407E-A947-70E740481C1C}">
-                <a14:useLocalDpi xmlns:a14="http://schemas.microsoft.com/office/drawing/2010/main" val="0"/>
-              </a:ext>
-            </a:extLst>
-          </a:blip>
-          <a:stretch>
-            <a:fillRect/>
-          </a:stretch>
-        </p:blipFill>
-        <p:spPr>
-          <a:xfrm>
-            <a:off x="5477434" y="3443142"/>
-            <a:ext cx="3666565" cy="3199078"/>
-          </a:xfrm>
-          <a:prstGeom prst="rect">
-            <a:avLst/>
-          </a:prstGeom>
-        </p:spPr>
-      </p:pic>
-    </p:spTree>
-    <p:extLst>
-      <p:ext uri="{BB962C8B-B14F-4D97-AF65-F5344CB8AC3E}">
-        <p14:creationId xmlns:p14="http://schemas.microsoft.com/office/powerpoint/2010/main" val="269450690"/>
-      </p:ext>
-    </p:extLst>
-  </p:cSld>
-  <p:clrMapOvr>
-    <a:masterClrMapping/>
-  </p:clrMapOvr>
-  <p:timing>
-    <p:tnLst>
-      <p:par>
-        <p:cTn id="1" dur="indefinite" restart="never" nodeType="tmRoot"/>
-      </p:par>
-    </p:tnLst>
-  </p:timing>
-</p:sld>
-</file>
-
-<file path=ppt/slides/slide14.xml><?xml version="1.0" encoding="utf-8"?>
-<p:sld xmlns:a="http://schemas.openxmlformats.org/drawingml/2006/main" xmlns:r="http://schemas.openxmlformats.org/officeDocument/2006/relationships" xmlns:p="http://schemas.openxmlformats.org/presentationml/2006/main">
-  <p:cSld>
-    <p:spTree>
-      <p:nvGrpSpPr>
-        <p:cNvPr id="1" name=""/>
-        <p:cNvGrpSpPr/>
-        <p:nvPr/>
-      </p:nvGrpSpPr>
-      <p:grpSpPr>
-        <a:xfrm>
-          <a:off x="0" y="0"/>
-          <a:ext cx="0" cy="0"/>
-          <a:chOff x="0" y="0"/>
-          <a:chExt cx="0" cy="0"/>
-        </a:xfrm>
-      </p:grpSpPr>
-      <p:sp>
-        <p:nvSpPr>
-          <p:cNvPr id="2" name="Slide Number Placeholder 1"/>
-          <p:cNvSpPr>
-            <a:spLocks noGrp="1"/>
-          </p:cNvSpPr>
-          <p:nvPr>
-            <p:ph type="sldNum" sz="quarter" idx="12"/>
-          </p:nvPr>
-        </p:nvSpPr>
-        <p:spPr/>
-        <p:txBody>
-          <a:bodyPr/>
-          <a:lstStyle/>
-          <a:p>
-            <a:fld id="{7D9EC917-02A2-4152-9EE3-DFE2775A77C7}" type="slidenum">
-              <a:rPr lang="en-US" smtClean="0"/>
-              <a:pPr/>
-              <a:t>14</a:t>
-            </a:fld>
-            <a:endParaRPr lang="en-US"/>
-          </a:p>
-        </p:txBody>
-      </p:sp>
-      <p:sp>
-        <p:nvSpPr>
-          <p:cNvPr id="3" name="Rectangle 2"/>
-          <p:cNvSpPr/>
-          <p:nvPr/>
-        </p:nvSpPr>
-        <p:spPr>
-          <a:xfrm>
-            <a:off x="301925" y="1051379"/>
-            <a:ext cx="8454964" cy="27432"/>
-          </a:xfrm>
-          <a:prstGeom prst="rect">
-            <a:avLst/>
-          </a:prstGeom>
-          <a:gradFill flip="none" rotWithShape="1">
-            <a:gsLst>
-              <a:gs pos="15000">
-                <a:srgbClr val="67C7DF"/>
-              </a:gs>
-              <a:gs pos="100000">
-                <a:srgbClr val="5EB130"/>
-              </a:gs>
-            </a:gsLst>
-            <a:lin ang="0" scaled="1"/>
-            <a:tileRect/>
-          </a:gradFill>
-          <a:ln>
-            <a:noFill/>
-          </a:ln>
-        </p:spPr>
-        <p:style>
-          <a:lnRef idx="2">
-            <a:schemeClr val="accent1">
-              <a:shade val="50000"/>
-            </a:schemeClr>
-          </a:lnRef>
-          <a:fillRef idx="1">
-            <a:schemeClr val="accent1"/>
-          </a:fillRef>
-          <a:effectRef idx="0">
-            <a:schemeClr val="accent1"/>
-          </a:effectRef>
-          <a:fontRef idx="minor">
-            <a:schemeClr val="lt1"/>
-          </a:fontRef>
-        </p:style>
-        <p:txBody>
-          <a:bodyPr rtlCol="0" anchor="ctr"/>
-          <a:lstStyle/>
-          <a:p>
-            <a:pPr algn="ctr"/>
-            <a:endParaRPr lang="en-US"/>
-          </a:p>
-        </p:txBody>
-      </p:sp>
-      <p:sp>
-        <p:nvSpPr>
-          <p:cNvPr id="4" name="TextBox 3"/>
-          <p:cNvSpPr txBox="1"/>
-          <p:nvPr/>
-        </p:nvSpPr>
-        <p:spPr>
-          <a:xfrm>
-            <a:off x="248815" y="546584"/>
-            <a:ext cx="7374995" cy="461665"/>
-          </a:xfrm>
-          <a:prstGeom prst="rect">
-            <a:avLst/>
-          </a:prstGeom>
-          <a:noFill/>
-        </p:spPr>
-        <p:txBody>
-          <a:bodyPr wrap="square" rtlCol="0">
-            <a:spAutoFit/>
-          </a:bodyPr>
-          <a:lstStyle/>
-          <a:p>
-            <a:r>
-              <a:rPr lang="en-US" sz="2400" b="1" dirty="0" smtClean="0">
-                <a:solidFill>
-                  <a:srgbClr val="64C7E9"/>
-                </a:solidFill>
-                <a:latin typeface="UTM Helve" panose="02040603050506020204" pitchFamily="18" charset="0"/>
-                <a:ea typeface="Roboto" pitchFamily="2" charset="0"/>
-              </a:rPr>
-              <a:t>6.3 </a:t>
-            </a:r>
-            <a:r>
-              <a:rPr lang="en-US" sz="2400" b="1" dirty="0" smtClean="0">
-                <a:solidFill>
-                  <a:srgbClr val="64C7E9"/>
-                </a:solidFill>
-                <a:latin typeface="UTM Helve" panose="02040603050506020204" pitchFamily="18" charset="0"/>
-                <a:ea typeface="Roboto" pitchFamily="2" charset="0"/>
-              </a:rPr>
-              <a:t>Hoạt động học viên</a:t>
+              <a:t>6.3 Hoạt động học viên</a:t>
             </a:r>
             <a:endParaRPr lang="en-US" sz="2400" b="1" dirty="0">
               <a:solidFill>
@@ -6085,27 +5142,7 @@
                 <a:latin typeface="UTM Helve" panose="02040603050506020204" pitchFamily="18" charset="0"/>
                 <a:ea typeface="Roboto" pitchFamily="2" charset="0"/>
               </a:rPr>
-              <a:t>6.1</a:t>
-            </a:r>
-            <a:r>
-              <a:rPr lang="en-US" sz="2400" b="1" dirty="0" smtClean="0">
-                <a:solidFill>
-                  <a:srgbClr val="64C7E9"/>
-                </a:solidFill>
-                <a:latin typeface="UTM Helve" panose="02040603050506020204" pitchFamily="18" charset="0"/>
-                <a:ea typeface="Roboto" pitchFamily="2" charset="0"/>
-              </a:rPr>
-              <a:t> </a:t>
-            </a:r>
-            <a:r>
-              <a:rPr lang="en-US" sz="2400" b="1" dirty="0" smtClean="0">
-                <a:solidFill>
-                  <a:srgbClr val="64C7E9"/>
-                </a:solidFill>
-                <a:latin typeface="UTM Helve" panose="02040603050506020204" pitchFamily="18" charset="0"/>
-                <a:ea typeface="Roboto" pitchFamily="2" charset="0"/>
-              </a:rPr>
-              <a:t>Giới thiệu Âm Thanh - Sound</a:t>
+              <a:t>6.1 Giới thiệu Âm Thanh - Sound</a:t>
             </a:r>
             <a:endParaRPr lang="en-US" sz="2400" b="1" dirty="0">
               <a:solidFill>
